--- a/Q_AND_A/src/main/resources/templates/documents/program.pptx
+++ b/Q_AND_A/src/main/resources/templates/documents/program.pptx
@@ -105,6 +105,11 @@
       </a:defRPr>
     </a:lvl9pPr>
   </p:defaultTextStyle>
+  <p:extLst>
+    <p:ext uri="{EFAFB233-063F-42B5-8137-9DF3F51BA10A}">
+      <p15:sldGuideLst xmlns:p15="http://schemas.microsoft.com/office/powerpoint/2012/main"/>
+    </p:ext>
+  </p:extLst>
 </p:presentation>
 </file>
 
@@ -3070,6 +3075,183 @@
           </a:fontRef>
         </p:style>
       </p:cxnSp>
+      <p:cxnSp>
+        <p:nvCxnSpPr>
+          <p:cNvPr id="3" name="Straight Connector 2"/>
+          <p:cNvCxnSpPr/>
+          <p:nvPr/>
+        </p:nvCxnSpPr>
+        <p:spPr>
+          <a:xfrm>
+            <a:off x="5370490" y="1442432"/>
+            <a:ext cx="0" cy="3129566"/>
+          </a:xfrm>
+          <a:prstGeom prst="line">
+            <a:avLst/>
+          </a:prstGeom>
+          <a:ln w="9525">
+            <a:solidFill>
+              <a:schemeClr val="accent4"/>
+            </a:solidFill>
+          </a:ln>
+        </p:spPr>
+        <p:style>
+          <a:lnRef idx="1">
+            <a:schemeClr val="accent1"/>
+          </a:lnRef>
+          <a:fillRef idx="0">
+            <a:schemeClr val="accent1"/>
+          </a:fillRef>
+          <a:effectRef idx="0">
+            <a:schemeClr val="accent1"/>
+          </a:effectRef>
+          <a:fontRef idx="minor">
+            <a:schemeClr val="tx1"/>
+          </a:fontRef>
+        </p:style>
+      </p:cxnSp>
+      <p:sp>
+        <p:nvSpPr>
+          <p:cNvPr id="6" name="Rectangle 5"/>
+          <p:cNvSpPr/>
+          <p:nvPr/>
+        </p:nvSpPr>
+        <p:spPr>
+          <a:xfrm>
+            <a:off x="2099256" y="1738648"/>
+            <a:ext cx="2730321" cy="386366"/>
+          </a:xfrm>
+          <a:prstGeom prst="rect">
+            <a:avLst/>
+          </a:prstGeom>
+          <a:noFill/>
+          <a:ln>
+            <a:solidFill>
+              <a:schemeClr val="accent4"/>
+            </a:solidFill>
+          </a:ln>
+        </p:spPr>
+        <p:style>
+          <a:lnRef idx="2">
+            <a:schemeClr val="accent1">
+              <a:shade val="50000"/>
+            </a:schemeClr>
+          </a:lnRef>
+          <a:fillRef idx="1">
+            <a:schemeClr val="accent1"/>
+          </a:fillRef>
+          <a:effectRef idx="0">
+            <a:schemeClr val="accent1"/>
+          </a:effectRef>
+          <a:fontRef idx="minor">
+            <a:schemeClr val="lt1"/>
+          </a:fontRef>
+        </p:style>
+        <p:txBody>
+          <a:bodyPr rtlCol="0" anchor="ctr"/>
+          <a:lstStyle/>
+          <a:p>
+            <a:pPr algn="ctr"/>
+            <a:endParaRPr lang="ko-KR" altLang="en-US"/>
+          </a:p>
+        </p:txBody>
+      </p:sp>
+      <p:sp>
+        <p:nvSpPr>
+          <p:cNvPr id="7" name="Rectangle 6"/>
+          <p:cNvSpPr/>
+          <p:nvPr/>
+        </p:nvSpPr>
+        <p:spPr>
+          <a:xfrm>
+            <a:off x="2099256" y="2264535"/>
+            <a:ext cx="2730321" cy="386366"/>
+          </a:xfrm>
+          <a:prstGeom prst="rect">
+            <a:avLst/>
+          </a:prstGeom>
+          <a:noFill/>
+          <a:ln>
+            <a:solidFill>
+              <a:schemeClr val="accent4"/>
+            </a:solidFill>
+          </a:ln>
+        </p:spPr>
+        <p:style>
+          <a:lnRef idx="2">
+            <a:schemeClr val="accent1">
+              <a:shade val="50000"/>
+            </a:schemeClr>
+          </a:lnRef>
+          <a:fillRef idx="1">
+            <a:schemeClr val="accent1"/>
+          </a:fillRef>
+          <a:effectRef idx="0">
+            <a:schemeClr val="accent1"/>
+          </a:effectRef>
+          <a:fontRef idx="minor">
+            <a:schemeClr val="lt1"/>
+          </a:fontRef>
+        </p:style>
+        <p:txBody>
+          <a:bodyPr rtlCol="0" anchor="ctr"/>
+          <a:lstStyle/>
+          <a:p>
+            <a:pPr algn="ctr"/>
+            <a:endParaRPr lang="ko-KR" altLang="en-US"/>
+          </a:p>
+        </p:txBody>
+      </p:sp>
+      <p:sp>
+        <p:nvSpPr>
+          <p:cNvPr id="8" name="Rectangle 7"/>
+          <p:cNvSpPr/>
+          <p:nvPr/>
+        </p:nvSpPr>
+        <p:spPr>
+          <a:xfrm>
+            <a:off x="2099256" y="3065172"/>
+            <a:ext cx="2730321" cy="412124"/>
+          </a:xfrm>
+          <a:prstGeom prst="rect">
+            <a:avLst/>
+          </a:prstGeom>
+          <a:solidFill>
+            <a:schemeClr val="accent4"/>
+          </a:solidFill>
+          <a:ln>
+            <a:solidFill>
+              <a:schemeClr val="accent4">
+                <a:lumMod val="75000"/>
+              </a:schemeClr>
+            </a:solidFill>
+          </a:ln>
+        </p:spPr>
+        <p:style>
+          <a:lnRef idx="2">
+            <a:schemeClr val="accent1">
+              <a:shade val="50000"/>
+            </a:schemeClr>
+          </a:lnRef>
+          <a:fillRef idx="1">
+            <a:schemeClr val="accent1"/>
+          </a:fillRef>
+          <a:effectRef idx="0">
+            <a:schemeClr val="accent1"/>
+          </a:effectRef>
+          <a:fontRef idx="minor">
+            <a:schemeClr val="lt1"/>
+          </a:fontRef>
+        </p:style>
+        <p:txBody>
+          <a:bodyPr rtlCol="0" anchor="ctr"/>
+          <a:lstStyle/>
+          <a:p>
+            <a:pPr algn="ctr"/>
+            <a:endParaRPr lang="ko-KR" altLang="en-US"/>
+          </a:p>
+        </p:txBody>
+      </p:sp>
     </p:spTree>
     <p:extLst>
       <p:ext uri="{BB962C8B-B14F-4D97-AF65-F5344CB8AC3E}">

--- a/Q_AND_A/src/main/resources/templates/documents/program.pptx
+++ b/Q_AND_A/src/main/resources/templates/documents/program.pptx
@@ -7,6 +7,7 @@
   <p:sldIdLst>
     <p:sldId id="256" r:id="rId2"/>
     <p:sldId id="257" r:id="rId3"/>
+    <p:sldId id="258" r:id="rId4"/>
   </p:sldIdLst>
   <p:sldSz cx="12192000" cy="6858000"/>
   <p:notesSz cx="6858000" cy="9144000"/>
@@ -107,7 +108,7 @@
   </p:defaultTextStyle>
   <p:extLst>
     <p:ext uri="{EFAFB233-063F-42B5-8137-9DF3F51BA10A}">
-      <p15:sldGuideLst xmlns:p15="http://schemas.microsoft.com/office/powerpoint/2012/main"/>
+      <p15:sldGuideLst xmlns:p15="http://schemas.microsoft.com/office/powerpoint/2012/main" xmlns=""/>
     </p:ext>
   </p:extLst>
 </p:presentation>
@@ -244,6 +245,7 @@
           <a:p>
             <a:fld id="{7492E2E8-2039-415F-8331-6FECA45A55D1}" type="datetimeFigureOut">
               <a:rPr lang="ko-KR" altLang="en-US" smtClean="0"/>
+              <a:pPr/>
               <a:t>2018-03-27</a:t>
             </a:fld>
             <a:endParaRPr lang="ko-KR" altLang="en-US"/>
@@ -286,6 +288,7 @@
           <a:p>
             <a:fld id="{73BC2352-A7E6-4DE3-A7D5-1430097FC7AE}" type="slidenum">
               <a:rPr lang="ko-KR" altLang="en-US" smtClean="0"/>
+              <a:pPr/>
               <a:t>‹#›</a:t>
             </a:fld>
             <a:endParaRPr lang="ko-KR" altLang="en-US"/>
@@ -295,7 +298,7 @@
     </p:spTree>
     <p:extLst>
       <p:ext uri="{BB962C8B-B14F-4D97-AF65-F5344CB8AC3E}">
-        <p14:creationId xmlns:p14="http://schemas.microsoft.com/office/powerpoint/2010/main" val="4001021935"/>
+        <p14:creationId xmlns:p14="http://schemas.microsoft.com/office/powerpoint/2010/main" xmlns="" val="4001021935"/>
       </p:ext>
     </p:extLst>
   </p:cSld>
@@ -414,6 +417,7 @@
           <a:p>
             <a:fld id="{7492E2E8-2039-415F-8331-6FECA45A55D1}" type="datetimeFigureOut">
               <a:rPr lang="ko-KR" altLang="en-US" smtClean="0"/>
+              <a:pPr/>
               <a:t>2018-03-27</a:t>
             </a:fld>
             <a:endParaRPr lang="ko-KR" altLang="en-US"/>
@@ -456,6 +460,7 @@
           <a:p>
             <a:fld id="{73BC2352-A7E6-4DE3-A7D5-1430097FC7AE}" type="slidenum">
               <a:rPr lang="ko-KR" altLang="en-US" smtClean="0"/>
+              <a:pPr/>
               <a:t>‹#›</a:t>
             </a:fld>
             <a:endParaRPr lang="ko-KR" altLang="en-US"/>
@@ -465,7 +470,7 @@
     </p:spTree>
     <p:extLst>
       <p:ext uri="{BB962C8B-B14F-4D97-AF65-F5344CB8AC3E}">
-        <p14:creationId xmlns:p14="http://schemas.microsoft.com/office/powerpoint/2010/main" val="1114942506"/>
+        <p14:creationId xmlns:p14="http://schemas.microsoft.com/office/powerpoint/2010/main" xmlns="" val="1114942506"/>
       </p:ext>
     </p:extLst>
   </p:cSld>
@@ -594,6 +599,7 @@
           <a:p>
             <a:fld id="{7492E2E8-2039-415F-8331-6FECA45A55D1}" type="datetimeFigureOut">
               <a:rPr lang="ko-KR" altLang="en-US" smtClean="0"/>
+              <a:pPr/>
               <a:t>2018-03-27</a:t>
             </a:fld>
             <a:endParaRPr lang="ko-KR" altLang="en-US"/>
@@ -636,6 +642,7 @@
           <a:p>
             <a:fld id="{73BC2352-A7E6-4DE3-A7D5-1430097FC7AE}" type="slidenum">
               <a:rPr lang="ko-KR" altLang="en-US" smtClean="0"/>
+              <a:pPr/>
               <a:t>‹#›</a:t>
             </a:fld>
             <a:endParaRPr lang="ko-KR" altLang="en-US"/>
@@ -645,7 +652,7 @@
     </p:spTree>
     <p:extLst>
       <p:ext uri="{BB962C8B-B14F-4D97-AF65-F5344CB8AC3E}">
-        <p14:creationId xmlns:p14="http://schemas.microsoft.com/office/powerpoint/2010/main" val="8663585"/>
+        <p14:creationId xmlns:p14="http://schemas.microsoft.com/office/powerpoint/2010/main" xmlns="" val="8663585"/>
       </p:ext>
     </p:extLst>
   </p:cSld>
@@ -764,6 +771,7 @@
           <a:p>
             <a:fld id="{7492E2E8-2039-415F-8331-6FECA45A55D1}" type="datetimeFigureOut">
               <a:rPr lang="ko-KR" altLang="en-US" smtClean="0"/>
+              <a:pPr/>
               <a:t>2018-03-27</a:t>
             </a:fld>
             <a:endParaRPr lang="ko-KR" altLang="en-US"/>
@@ -806,6 +814,7 @@
           <a:p>
             <a:fld id="{73BC2352-A7E6-4DE3-A7D5-1430097FC7AE}" type="slidenum">
               <a:rPr lang="ko-KR" altLang="en-US" smtClean="0"/>
+              <a:pPr/>
               <a:t>‹#›</a:t>
             </a:fld>
             <a:endParaRPr lang="ko-KR" altLang="en-US"/>
@@ -815,7 +824,7 @@
     </p:spTree>
     <p:extLst>
       <p:ext uri="{BB962C8B-B14F-4D97-AF65-F5344CB8AC3E}">
-        <p14:creationId xmlns:p14="http://schemas.microsoft.com/office/powerpoint/2010/main" val="725851527"/>
+        <p14:creationId xmlns:p14="http://schemas.microsoft.com/office/powerpoint/2010/main" xmlns="" val="725851527"/>
       </p:ext>
     </p:extLst>
   </p:cSld>
@@ -1010,6 +1019,7 @@
           <a:p>
             <a:fld id="{7492E2E8-2039-415F-8331-6FECA45A55D1}" type="datetimeFigureOut">
               <a:rPr lang="ko-KR" altLang="en-US" smtClean="0"/>
+              <a:pPr/>
               <a:t>2018-03-27</a:t>
             </a:fld>
             <a:endParaRPr lang="ko-KR" altLang="en-US"/>
@@ -1052,6 +1062,7 @@
           <a:p>
             <a:fld id="{73BC2352-A7E6-4DE3-A7D5-1430097FC7AE}" type="slidenum">
               <a:rPr lang="ko-KR" altLang="en-US" smtClean="0"/>
+              <a:pPr/>
               <a:t>‹#›</a:t>
             </a:fld>
             <a:endParaRPr lang="ko-KR" altLang="en-US"/>
@@ -1061,7 +1072,7 @@
     </p:spTree>
     <p:extLst>
       <p:ext uri="{BB962C8B-B14F-4D97-AF65-F5344CB8AC3E}">
-        <p14:creationId xmlns:p14="http://schemas.microsoft.com/office/powerpoint/2010/main" val="3391619978"/>
+        <p14:creationId xmlns:p14="http://schemas.microsoft.com/office/powerpoint/2010/main" xmlns="" val="3391619978"/>
       </p:ext>
     </p:extLst>
   </p:cSld>
@@ -1242,6 +1253,7 @@
           <a:p>
             <a:fld id="{7492E2E8-2039-415F-8331-6FECA45A55D1}" type="datetimeFigureOut">
               <a:rPr lang="ko-KR" altLang="en-US" smtClean="0"/>
+              <a:pPr/>
               <a:t>2018-03-27</a:t>
             </a:fld>
             <a:endParaRPr lang="ko-KR" altLang="en-US"/>
@@ -1284,6 +1296,7 @@
           <a:p>
             <a:fld id="{73BC2352-A7E6-4DE3-A7D5-1430097FC7AE}" type="slidenum">
               <a:rPr lang="ko-KR" altLang="en-US" smtClean="0"/>
+              <a:pPr/>
               <a:t>‹#›</a:t>
             </a:fld>
             <a:endParaRPr lang="ko-KR" altLang="en-US"/>
@@ -1293,7 +1306,7 @@
     </p:spTree>
     <p:extLst>
       <p:ext uri="{BB962C8B-B14F-4D97-AF65-F5344CB8AC3E}">
-        <p14:creationId xmlns:p14="http://schemas.microsoft.com/office/powerpoint/2010/main" val="3820556318"/>
+        <p14:creationId xmlns:p14="http://schemas.microsoft.com/office/powerpoint/2010/main" xmlns="" val="3820556318"/>
       </p:ext>
     </p:extLst>
   </p:cSld>
@@ -1609,6 +1622,7 @@
           <a:p>
             <a:fld id="{7492E2E8-2039-415F-8331-6FECA45A55D1}" type="datetimeFigureOut">
               <a:rPr lang="ko-KR" altLang="en-US" smtClean="0"/>
+              <a:pPr/>
               <a:t>2018-03-27</a:t>
             </a:fld>
             <a:endParaRPr lang="ko-KR" altLang="en-US"/>
@@ -1651,6 +1665,7 @@
           <a:p>
             <a:fld id="{73BC2352-A7E6-4DE3-A7D5-1430097FC7AE}" type="slidenum">
               <a:rPr lang="ko-KR" altLang="en-US" smtClean="0"/>
+              <a:pPr/>
               <a:t>‹#›</a:t>
             </a:fld>
             <a:endParaRPr lang="ko-KR" altLang="en-US"/>
@@ -1660,7 +1675,7 @@
     </p:spTree>
     <p:extLst>
       <p:ext uri="{BB962C8B-B14F-4D97-AF65-F5344CB8AC3E}">
-        <p14:creationId xmlns:p14="http://schemas.microsoft.com/office/powerpoint/2010/main" val="3088283726"/>
+        <p14:creationId xmlns:p14="http://schemas.microsoft.com/office/powerpoint/2010/main" xmlns="" val="3088283726"/>
       </p:ext>
     </p:extLst>
   </p:cSld>
@@ -1727,6 +1742,7 @@
           <a:p>
             <a:fld id="{7492E2E8-2039-415F-8331-6FECA45A55D1}" type="datetimeFigureOut">
               <a:rPr lang="ko-KR" altLang="en-US" smtClean="0"/>
+              <a:pPr/>
               <a:t>2018-03-27</a:t>
             </a:fld>
             <a:endParaRPr lang="ko-KR" altLang="en-US"/>
@@ -1769,6 +1785,7 @@
           <a:p>
             <a:fld id="{73BC2352-A7E6-4DE3-A7D5-1430097FC7AE}" type="slidenum">
               <a:rPr lang="ko-KR" altLang="en-US" smtClean="0"/>
+              <a:pPr/>
               <a:t>‹#›</a:t>
             </a:fld>
             <a:endParaRPr lang="ko-KR" altLang="en-US"/>
@@ -1778,7 +1795,7 @@
     </p:spTree>
     <p:extLst>
       <p:ext uri="{BB962C8B-B14F-4D97-AF65-F5344CB8AC3E}">
-        <p14:creationId xmlns:p14="http://schemas.microsoft.com/office/powerpoint/2010/main" val="198278470"/>
+        <p14:creationId xmlns:p14="http://schemas.microsoft.com/office/powerpoint/2010/main" xmlns="" val="198278470"/>
       </p:ext>
     </p:extLst>
   </p:cSld>
@@ -1822,6 +1839,7 @@
           <a:p>
             <a:fld id="{7492E2E8-2039-415F-8331-6FECA45A55D1}" type="datetimeFigureOut">
               <a:rPr lang="ko-KR" altLang="en-US" smtClean="0"/>
+              <a:pPr/>
               <a:t>2018-03-27</a:t>
             </a:fld>
             <a:endParaRPr lang="ko-KR" altLang="en-US"/>
@@ -1864,6 +1882,7 @@
           <a:p>
             <a:fld id="{73BC2352-A7E6-4DE3-A7D5-1430097FC7AE}" type="slidenum">
               <a:rPr lang="ko-KR" altLang="en-US" smtClean="0"/>
+              <a:pPr/>
               <a:t>‹#›</a:t>
             </a:fld>
             <a:endParaRPr lang="ko-KR" altLang="en-US"/>
@@ -1873,7 +1892,7 @@
     </p:spTree>
     <p:extLst>
       <p:ext uri="{BB962C8B-B14F-4D97-AF65-F5344CB8AC3E}">
-        <p14:creationId xmlns:p14="http://schemas.microsoft.com/office/powerpoint/2010/main" val="2025956099"/>
+        <p14:creationId xmlns:p14="http://schemas.microsoft.com/office/powerpoint/2010/main" xmlns="" val="2025956099"/>
       </p:ext>
     </p:extLst>
   </p:cSld>
@@ -2099,6 +2118,7 @@
           <a:p>
             <a:fld id="{7492E2E8-2039-415F-8331-6FECA45A55D1}" type="datetimeFigureOut">
               <a:rPr lang="ko-KR" altLang="en-US" smtClean="0"/>
+              <a:pPr/>
               <a:t>2018-03-27</a:t>
             </a:fld>
             <a:endParaRPr lang="ko-KR" altLang="en-US"/>
@@ -2141,6 +2161,7 @@
           <a:p>
             <a:fld id="{73BC2352-A7E6-4DE3-A7D5-1430097FC7AE}" type="slidenum">
               <a:rPr lang="ko-KR" altLang="en-US" smtClean="0"/>
+              <a:pPr/>
               <a:t>‹#›</a:t>
             </a:fld>
             <a:endParaRPr lang="ko-KR" altLang="en-US"/>
@@ -2150,7 +2171,7 @@
     </p:spTree>
     <p:extLst>
       <p:ext uri="{BB962C8B-B14F-4D97-AF65-F5344CB8AC3E}">
-        <p14:creationId xmlns:p14="http://schemas.microsoft.com/office/powerpoint/2010/main" val="809531414"/>
+        <p14:creationId xmlns:p14="http://schemas.microsoft.com/office/powerpoint/2010/main" xmlns="" val="809531414"/>
       </p:ext>
     </p:extLst>
   </p:cSld>
@@ -2352,6 +2373,7 @@
           <a:p>
             <a:fld id="{7492E2E8-2039-415F-8331-6FECA45A55D1}" type="datetimeFigureOut">
               <a:rPr lang="ko-KR" altLang="en-US" smtClean="0"/>
+              <a:pPr/>
               <a:t>2018-03-27</a:t>
             </a:fld>
             <a:endParaRPr lang="ko-KR" altLang="en-US"/>
@@ -2394,6 +2416,7 @@
           <a:p>
             <a:fld id="{73BC2352-A7E6-4DE3-A7D5-1430097FC7AE}" type="slidenum">
               <a:rPr lang="ko-KR" altLang="en-US" smtClean="0"/>
+              <a:pPr/>
               <a:t>‹#›</a:t>
             </a:fld>
             <a:endParaRPr lang="ko-KR" altLang="en-US"/>
@@ -2403,7 +2426,7 @@
     </p:spTree>
     <p:extLst>
       <p:ext uri="{BB962C8B-B14F-4D97-AF65-F5344CB8AC3E}">
-        <p14:creationId xmlns:p14="http://schemas.microsoft.com/office/powerpoint/2010/main" val="1633920838"/>
+        <p14:creationId xmlns:p14="http://schemas.microsoft.com/office/powerpoint/2010/main" xmlns="" val="1633920838"/>
       </p:ext>
     </p:extLst>
   </p:cSld>
@@ -2565,6 +2588,7 @@
           <a:p>
             <a:fld id="{7492E2E8-2039-415F-8331-6FECA45A55D1}" type="datetimeFigureOut">
               <a:rPr lang="ko-KR" altLang="en-US" smtClean="0"/>
+              <a:pPr/>
               <a:t>2018-03-27</a:t>
             </a:fld>
             <a:endParaRPr lang="ko-KR" altLang="en-US"/>
@@ -2643,6 +2667,7 @@
           <a:p>
             <a:fld id="{73BC2352-A7E6-4DE3-A7D5-1430097FC7AE}" type="slidenum">
               <a:rPr lang="ko-KR" altLang="en-US" smtClean="0"/>
+              <a:pPr/>
               <a:t>‹#›</a:t>
             </a:fld>
             <a:endParaRPr lang="ko-KR" altLang="en-US"/>
@@ -2652,7 +2677,7 @@
     </p:spTree>
     <p:extLst>
       <p:ext uri="{BB962C8B-B14F-4D97-AF65-F5344CB8AC3E}">
-        <p14:creationId xmlns:p14="http://schemas.microsoft.com/office/powerpoint/2010/main" val="1420427914"/>
+        <p14:creationId xmlns:p14="http://schemas.microsoft.com/office/powerpoint/2010/main" xmlns="" val="1420427914"/>
       </p:ext>
     </p:extLst>
   </p:cSld>
@@ -2985,7 +3010,7 @@
           <a:bodyPr/>
           <a:lstStyle/>
           <a:p>
-            <a:endParaRPr lang="ko-KR" altLang="en-US"/>
+            <a:endParaRPr lang="ko-KR" altLang="en-US" dirty="0"/>
           </a:p>
         </p:txBody>
       </p:sp>
@@ -3011,7 +3036,7 @@
     </p:spTree>
     <p:extLst>
       <p:ext uri="{BB962C8B-B14F-4D97-AF65-F5344CB8AC3E}">
-        <p14:creationId xmlns:p14="http://schemas.microsoft.com/office/powerpoint/2010/main" val="3019154037"/>
+        <p14:creationId xmlns:p14="http://schemas.microsoft.com/office/powerpoint/2010/main" xmlns="" val="3019154037"/>
       </p:ext>
     </p:extLst>
   </p:cSld>
@@ -3040,23 +3065,21 @@
       </p:grpSpPr>
       <p:cxnSp>
         <p:nvCxnSpPr>
-          <p:cNvPr id="5" name="Straight Connector 4"/>
+          <p:cNvPr id="3" name="Straight Connector 2"/>
           <p:cNvCxnSpPr/>
           <p:nvPr/>
         </p:nvCxnSpPr>
         <p:spPr>
           <a:xfrm>
-            <a:off x="0" y="669702"/>
-            <a:ext cx="12192000" cy="0"/>
+            <a:off x="5646062" y="1442432"/>
+            <a:ext cx="0" cy="2743200"/>
           </a:xfrm>
           <a:prstGeom prst="line">
             <a:avLst/>
           </a:prstGeom>
-          <a:ln w="6350">
+          <a:ln w="9525">
             <a:solidFill>
-              <a:schemeClr val="bg1">
-                <a:lumMod val="85000"/>
-              </a:schemeClr>
+              <a:schemeClr val="accent4"/>
             </a:solidFill>
           </a:ln>
         </p:spPr>
@@ -3075,41 +3098,6 @@
           </a:fontRef>
         </p:style>
       </p:cxnSp>
-      <p:cxnSp>
-        <p:nvCxnSpPr>
-          <p:cNvPr id="3" name="Straight Connector 2"/>
-          <p:cNvCxnSpPr/>
-          <p:nvPr/>
-        </p:nvCxnSpPr>
-        <p:spPr>
-          <a:xfrm>
-            <a:off x="5370490" y="1442432"/>
-            <a:ext cx="0" cy="3129566"/>
-          </a:xfrm>
-          <a:prstGeom prst="line">
-            <a:avLst/>
-          </a:prstGeom>
-          <a:ln w="9525">
-            <a:solidFill>
-              <a:schemeClr val="accent4"/>
-            </a:solidFill>
-          </a:ln>
-        </p:spPr>
-        <p:style>
-          <a:lnRef idx="1">
-            <a:schemeClr val="accent1"/>
-          </a:lnRef>
-          <a:fillRef idx="0">
-            <a:schemeClr val="accent1"/>
-          </a:fillRef>
-          <a:effectRef idx="0">
-            <a:schemeClr val="accent1"/>
-          </a:effectRef>
-          <a:fontRef idx="minor">
-            <a:schemeClr val="tx1"/>
-          </a:fontRef>
-        </p:style>
-      </p:cxnSp>
       <p:sp>
         <p:nvSpPr>
           <p:cNvPr id="6" name="Rectangle 5"/>
@@ -3118,7 +3106,7 @@
         </p:nvSpPr>
         <p:spPr>
           <a:xfrm>
-            <a:off x="2099256" y="1738648"/>
+            <a:off x="2374828" y="1738648"/>
             <a:ext cx="2730321" cy="386366"/>
           </a:xfrm>
           <a:prstGeom prst="rect">
@@ -3164,7 +3152,7 @@
         </p:nvSpPr>
         <p:spPr>
           <a:xfrm>
-            <a:off x="2099256" y="2264535"/>
+            <a:off x="2374828" y="2264535"/>
             <a:ext cx="2730321" cy="386366"/>
           </a:xfrm>
           <a:prstGeom prst="rect">
@@ -3210,7 +3198,7 @@
         </p:nvSpPr>
         <p:spPr>
           <a:xfrm>
-            <a:off x="2099256" y="3065172"/>
+            <a:off x="2374828" y="3127802"/>
             <a:ext cx="2730321" cy="412124"/>
           </a:xfrm>
           <a:prstGeom prst="rect">
@@ -3252,10 +3240,1046 @@
           </a:p>
         </p:txBody>
       </p:sp>
+      <p:sp>
+        <p:nvSpPr>
+          <p:cNvPr id="9" name="TextBox 8"/>
+          <p:cNvSpPr txBox="1"/>
+          <p:nvPr/>
+        </p:nvSpPr>
+        <p:spPr>
+          <a:xfrm>
+            <a:off x="2254684" y="2730674"/>
+            <a:ext cx="389850" cy="369332"/>
+          </a:xfrm>
+          <a:prstGeom prst="rect">
+            <a:avLst/>
+          </a:prstGeom>
+          <a:noFill/>
+        </p:spPr>
+        <p:txBody>
+          <a:bodyPr wrap="none" rtlCol="0">
+            <a:spAutoFit/>
+          </a:bodyPr>
+          <a:lstStyle/>
+          <a:p>
+            <a:r>
+              <a:rPr lang="en-US" dirty="0" smtClean="0">
+                <a:sym typeface="Wingdings"/>
+              </a:rPr>
+              <a:t></a:t>
+            </a:r>
+            <a:endParaRPr lang="en-US" dirty="0"/>
+          </a:p>
+        </p:txBody>
+      </p:sp>
+      <p:sp>
+        <p:nvSpPr>
+          <p:cNvPr id="10" name="TextBox 9"/>
+          <p:cNvSpPr txBox="1"/>
+          <p:nvPr/>
+        </p:nvSpPr>
+        <p:spPr>
+          <a:xfrm>
+            <a:off x="2505206" y="2805830"/>
+            <a:ext cx="1064712" cy="307777"/>
+          </a:xfrm>
+          <a:prstGeom prst="rect">
+            <a:avLst/>
+          </a:prstGeom>
+          <a:noFill/>
+        </p:spPr>
+        <p:txBody>
+          <a:bodyPr wrap="square" rtlCol="0">
+            <a:spAutoFit/>
+          </a:bodyPr>
+          <a:lstStyle/>
+          <a:p>
+            <a:r>
+              <a:rPr lang="km-KH" sz="1400" dirty="0" smtClean="0">
+                <a:latin typeface="Khmer OS Bokor" pitchFamily="2" charset="0"/>
+                <a:cs typeface="Khmer OS Bokor" pitchFamily="2" charset="0"/>
+              </a:rPr>
+              <a:t>ចង់ចាំ</a:t>
+            </a:r>
+            <a:endParaRPr lang="en-US" sz="1400" dirty="0">
+              <a:latin typeface="Khmer OS Bokor" pitchFamily="2" charset="0"/>
+              <a:cs typeface="Khmer OS Bokor" pitchFamily="2" charset="0"/>
+            </a:endParaRPr>
+          </a:p>
+        </p:txBody>
+      </p:sp>
+      <p:sp>
+        <p:nvSpPr>
+          <p:cNvPr id="11" name="TextBox 10"/>
+          <p:cNvSpPr txBox="1"/>
+          <p:nvPr/>
+        </p:nvSpPr>
+        <p:spPr>
+          <a:xfrm>
+            <a:off x="2782866" y="3196224"/>
+            <a:ext cx="1826711" cy="338554"/>
+          </a:xfrm>
+          <a:prstGeom prst="rect">
+            <a:avLst/>
+          </a:prstGeom>
+          <a:noFill/>
+        </p:spPr>
+        <p:txBody>
+          <a:bodyPr wrap="square" rtlCol="0">
+            <a:spAutoFit/>
+          </a:bodyPr>
+          <a:lstStyle/>
+          <a:p>
+            <a:pPr algn="ctr"/>
+            <a:r>
+              <a:rPr lang="km-KH" sz="1600" b="1" dirty="0" smtClean="0">
+                <a:solidFill>
+                  <a:schemeClr val="bg1"/>
+                </a:solidFill>
+                <a:latin typeface="Khmer OS Bokor" pitchFamily="2" charset="0"/>
+                <a:cs typeface="Khmer OS Bokor" pitchFamily="2" charset="0"/>
+              </a:rPr>
+              <a:t>ចូលប្រើប្រាស់</a:t>
+            </a:r>
+            <a:endParaRPr lang="en-US" sz="1600" b="1" dirty="0">
+              <a:solidFill>
+                <a:schemeClr val="bg1"/>
+              </a:solidFill>
+              <a:latin typeface="Khmer OS Bokor" pitchFamily="2" charset="0"/>
+              <a:cs typeface="Khmer OS Bokor" pitchFamily="2" charset="0"/>
+            </a:endParaRPr>
+          </a:p>
+        </p:txBody>
+      </p:sp>
+      <p:sp>
+        <p:nvSpPr>
+          <p:cNvPr id="15" name="TextBox 14"/>
+          <p:cNvSpPr txBox="1"/>
+          <p:nvPr/>
+        </p:nvSpPr>
+        <p:spPr>
+          <a:xfrm>
+            <a:off x="3657599" y="3697266"/>
+            <a:ext cx="1480160" cy="307777"/>
+          </a:xfrm>
+          <a:prstGeom prst="rect">
+            <a:avLst/>
+          </a:prstGeom>
+          <a:noFill/>
+        </p:spPr>
+        <p:txBody>
+          <a:bodyPr wrap="square" rtlCol="0">
+            <a:spAutoFit/>
+          </a:bodyPr>
+          <a:lstStyle/>
+          <a:p>
+            <a:pPr algn="r"/>
+            <a:r>
+              <a:rPr lang="km-KH" sz="1400" u="sng" dirty="0" smtClean="0">
+                <a:solidFill>
+                  <a:schemeClr val="tx1">
+                    <a:lumMod val="65000"/>
+                    <a:lumOff val="35000"/>
+                  </a:schemeClr>
+                </a:solidFill>
+                <a:latin typeface="Khmer OS Bokor" pitchFamily="2" charset="0"/>
+                <a:cs typeface="Khmer OS Bokor" pitchFamily="2" charset="0"/>
+              </a:rPr>
+              <a:t>ចុះឈ្មោះប្រើប្រាស់</a:t>
+            </a:r>
+            <a:endParaRPr lang="en-US" sz="1400" u="sng" dirty="0">
+              <a:solidFill>
+                <a:schemeClr val="tx1">
+                  <a:lumMod val="65000"/>
+                  <a:lumOff val="35000"/>
+                </a:schemeClr>
+              </a:solidFill>
+              <a:latin typeface="Khmer OS Bokor" pitchFamily="2" charset="0"/>
+              <a:cs typeface="Khmer OS Bokor" pitchFamily="2" charset="0"/>
+            </a:endParaRPr>
+          </a:p>
+        </p:txBody>
+      </p:sp>
+      <p:sp>
+        <p:nvSpPr>
+          <p:cNvPr id="16" name="직사각형 15"/>
+          <p:cNvSpPr/>
+          <p:nvPr/>
+        </p:nvSpPr>
+        <p:spPr>
+          <a:xfrm>
+            <a:off x="6313119" y="1716065"/>
+            <a:ext cx="2906038" cy="384048"/>
+          </a:xfrm>
+          <a:prstGeom prst="rect">
+            <a:avLst/>
+          </a:prstGeom>
+          <a:solidFill>
+            <a:schemeClr val="accent1">
+              <a:lumMod val="75000"/>
+            </a:schemeClr>
+          </a:solidFill>
+          <a:ln>
+            <a:solidFill>
+              <a:schemeClr val="accent1">
+                <a:lumMod val="75000"/>
+              </a:schemeClr>
+            </a:solidFill>
+          </a:ln>
+        </p:spPr>
+        <p:style>
+          <a:lnRef idx="2">
+            <a:schemeClr val="accent1">
+              <a:shade val="50000"/>
+            </a:schemeClr>
+          </a:lnRef>
+          <a:fillRef idx="1">
+            <a:schemeClr val="accent1"/>
+          </a:fillRef>
+          <a:effectRef idx="0">
+            <a:schemeClr val="accent1"/>
+          </a:effectRef>
+          <a:fontRef idx="minor">
+            <a:schemeClr val="lt1"/>
+          </a:fontRef>
+        </p:style>
+        <p:txBody>
+          <a:bodyPr rtlCol="0" anchor="ctr"/>
+          <a:lstStyle/>
+          <a:p>
+            <a:pPr algn="ctr"/>
+            <a:endParaRPr lang="en-US"/>
+          </a:p>
+        </p:txBody>
+      </p:sp>
+      <p:sp>
+        <p:nvSpPr>
+          <p:cNvPr id="17" name="TextBox 16"/>
+          <p:cNvSpPr txBox="1"/>
+          <p:nvPr/>
+        </p:nvSpPr>
+        <p:spPr>
+          <a:xfrm>
+            <a:off x="6868440" y="1753644"/>
+            <a:ext cx="1826711" cy="307777"/>
+          </a:xfrm>
+          <a:prstGeom prst="rect">
+            <a:avLst/>
+          </a:prstGeom>
+          <a:noFill/>
+        </p:spPr>
+        <p:txBody>
+          <a:bodyPr wrap="square" rtlCol="0">
+            <a:spAutoFit/>
+          </a:bodyPr>
+          <a:lstStyle/>
+          <a:p>
+            <a:pPr algn="ctr"/>
+            <a:r>
+              <a:rPr lang="en-US" sz="1400" b="1" dirty="0" smtClean="0">
+                <a:solidFill>
+                  <a:schemeClr val="bg1"/>
+                </a:solidFill>
+                <a:latin typeface="Arial Black" pitchFamily="34" charset="0"/>
+                <a:cs typeface="Khmer OS Bokor" pitchFamily="2" charset="0"/>
+              </a:rPr>
+              <a:t>Face book</a:t>
+            </a:r>
+            <a:endParaRPr lang="en-US" sz="1400" b="1" dirty="0">
+              <a:solidFill>
+                <a:schemeClr val="bg1"/>
+              </a:solidFill>
+              <a:latin typeface="Arial Black" pitchFamily="34" charset="0"/>
+              <a:cs typeface="Khmer OS Bokor" pitchFamily="2" charset="0"/>
+            </a:endParaRPr>
+          </a:p>
+        </p:txBody>
+      </p:sp>
+      <p:sp>
+        <p:nvSpPr>
+          <p:cNvPr id="18" name="직사각형 17"/>
+          <p:cNvSpPr/>
+          <p:nvPr/>
+        </p:nvSpPr>
+        <p:spPr>
+          <a:xfrm>
+            <a:off x="6340259" y="2244247"/>
+            <a:ext cx="2906038" cy="384048"/>
+          </a:xfrm>
+          <a:prstGeom prst="rect">
+            <a:avLst/>
+          </a:prstGeom>
+          <a:solidFill>
+            <a:srgbClr val="00B050"/>
+          </a:solidFill>
+          <a:ln>
+            <a:solidFill>
+              <a:srgbClr val="00B050"/>
+            </a:solidFill>
+          </a:ln>
+        </p:spPr>
+        <p:style>
+          <a:lnRef idx="2">
+            <a:schemeClr val="accent1">
+              <a:shade val="50000"/>
+            </a:schemeClr>
+          </a:lnRef>
+          <a:fillRef idx="1">
+            <a:schemeClr val="accent1"/>
+          </a:fillRef>
+          <a:effectRef idx="0">
+            <a:schemeClr val="accent1"/>
+          </a:effectRef>
+          <a:fontRef idx="minor">
+            <a:schemeClr val="lt1"/>
+          </a:fontRef>
+        </p:style>
+        <p:txBody>
+          <a:bodyPr rtlCol="0" anchor="ctr"/>
+          <a:lstStyle/>
+          <a:p>
+            <a:pPr algn="ctr"/>
+            <a:endParaRPr lang="en-US"/>
+          </a:p>
+        </p:txBody>
+      </p:sp>
+      <p:sp>
+        <p:nvSpPr>
+          <p:cNvPr id="19" name="TextBox 18"/>
+          <p:cNvSpPr txBox="1"/>
+          <p:nvPr/>
+        </p:nvSpPr>
+        <p:spPr>
+          <a:xfrm>
+            <a:off x="6908106" y="2281826"/>
+            <a:ext cx="1826711" cy="307777"/>
+          </a:xfrm>
+          <a:prstGeom prst="rect">
+            <a:avLst/>
+          </a:prstGeom>
+          <a:noFill/>
+        </p:spPr>
+        <p:txBody>
+          <a:bodyPr wrap="square" rtlCol="0">
+            <a:spAutoFit/>
+          </a:bodyPr>
+          <a:lstStyle/>
+          <a:p>
+            <a:pPr algn="ctr"/>
+            <a:r>
+              <a:rPr lang="en-US" sz="1400" b="1" dirty="0" smtClean="0">
+                <a:solidFill>
+                  <a:schemeClr val="bg1"/>
+                </a:solidFill>
+                <a:latin typeface="Arial Black" pitchFamily="34" charset="0"/>
+                <a:cs typeface="Khmer OS Bokor" pitchFamily="2" charset="0"/>
+              </a:rPr>
+              <a:t>Google</a:t>
+            </a:r>
+            <a:endParaRPr lang="en-US" sz="1400" b="1" dirty="0">
+              <a:solidFill>
+                <a:schemeClr val="bg1"/>
+              </a:solidFill>
+              <a:latin typeface="Arial Black" pitchFamily="34" charset="0"/>
+              <a:cs typeface="Khmer OS Bokor" pitchFamily="2" charset="0"/>
+            </a:endParaRPr>
+          </a:p>
+        </p:txBody>
+      </p:sp>
+      <p:cxnSp>
+        <p:nvCxnSpPr>
+          <p:cNvPr id="26" name="Straight Connector 4"/>
+          <p:cNvCxnSpPr/>
+          <p:nvPr/>
+        </p:nvCxnSpPr>
+        <p:spPr>
+          <a:xfrm>
+            <a:off x="0" y="769910"/>
+            <a:ext cx="12192000" cy="0"/>
+          </a:xfrm>
+          <a:prstGeom prst="line">
+            <a:avLst/>
+          </a:prstGeom>
+          <a:ln w="6350">
+            <a:solidFill>
+              <a:srgbClr val="FFC000"/>
+            </a:solidFill>
+          </a:ln>
+        </p:spPr>
+        <p:style>
+          <a:lnRef idx="1">
+            <a:schemeClr val="accent1"/>
+          </a:lnRef>
+          <a:fillRef idx="0">
+            <a:schemeClr val="accent1"/>
+          </a:fillRef>
+          <a:effectRef idx="0">
+            <a:schemeClr val="accent1"/>
+          </a:effectRef>
+          <a:fontRef idx="minor">
+            <a:schemeClr val="tx1"/>
+          </a:fontRef>
+        </p:style>
+      </p:cxnSp>
+      <p:sp>
+        <p:nvSpPr>
+          <p:cNvPr id="27" name="TextBox 26"/>
+          <p:cNvSpPr txBox="1"/>
+          <p:nvPr/>
+        </p:nvSpPr>
+        <p:spPr>
+          <a:xfrm>
+            <a:off x="8317281" y="75156"/>
+            <a:ext cx="1657826" cy="215444"/>
+          </a:xfrm>
+          <a:prstGeom prst="rect">
+            <a:avLst/>
+          </a:prstGeom>
+          <a:noFill/>
+        </p:spPr>
+        <p:txBody>
+          <a:bodyPr wrap="none" rtlCol="0">
+            <a:spAutoFit/>
+          </a:bodyPr>
+          <a:lstStyle/>
+          <a:p>
+            <a:r>
+              <a:rPr lang="km-KH" sz="800" dirty="0" smtClean="0">
+                <a:solidFill>
+                  <a:schemeClr val="tx1">
+                    <a:lumMod val="50000"/>
+                    <a:lumOff val="50000"/>
+                  </a:schemeClr>
+                </a:solidFill>
+                <a:latin typeface="Khmer OS Battambang" pitchFamily="2" charset="0"/>
+                <a:cs typeface="Khmer OS Battambang" pitchFamily="2" charset="0"/>
+              </a:rPr>
+              <a:t>ចូលប្រើប្រាស់​  </a:t>
+            </a:r>
+            <a:r>
+              <a:rPr lang="en-US" sz="800" dirty="0" smtClean="0">
+                <a:solidFill>
+                  <a:schemeClr val="tx1">
+                    <a:lumMod val="50000"/>
+                    <a:lumOff val="50000"/>
+                  </a:schemeClr>
+                </a:solidFill>
+                <a:latin typeface="Khmer OS Battambang" pitchFamily="2" charset="0"/>
+                <a:cs typeface="Khmer OS Battambang" pitchFamily="2" charset="0"/>
+              </a:rPr>
+              <a:t>|  </a:t>
+            </a:r>
+            <a:r>
+              <a:rPr lang="km-KH" sz="800" dirty="0" smtClean="0">
+                <a:solidFill>
+                  <a:schemeClr val="tx1">
+                    <a:lumMod val="50000"/>
+                    <a:lumOff val="50000"/>
+                  </a:schemeClr>
+                </a:solidFill>
+                <a:latin typeface="Khmer OS Battambang" pitchFamily="2" charset="0"/>
+                <a:cs typeface="Khmer OS Battambang" pitchFamily="2" charset="0"/>
+              </a:rPr>
+              <a:t>ចុះឈ្មោះប្រើប្រាស់</a:t>
+            </a:r>
+            <a:endParaRPr lang="en-US" sz="800" dirty="0">
+              <a:solidFill>
+                <a:schemeClr val="tx1">
+                  <a:lumMod val="50000"/>
+                  <a:lumOff val="50000"/>
+                </a:schemeClr>
+              </a:solidFill>
+              <a:latin typeface="Khmer OS Battambang" pitchFamily="2" charset="0"/>
+              <a:cs typeface="Khmer OS Battambang" pitchFamily="2" charset="0"/>
+            </a:endParaRPr>
+          </a:p>
+        </p:txBody>
+      </p:sp>
+      <p:sp>
+        <p:nvSpPr>
+          <p:cNvPr id="28" name="TextBox 27"/>
+          <p:cNvSpPr txBox="1"/>
+          <p:nvPr/>
+        </p:nvSpPr>
+        <p:spPr>
+          <a:xfrm>
+            <a:off x="1365337" y="112734"/>
+            <a:ext cx="556563" cy="523220"/>
+          </a:xfrm>
+          <a:prstGeom prst="rect">
+            <a:avLst/>
+          </a:prstGeom>
+          <a:noFill/>
+        </p:spPr>
+        <p:txBody>
+          <a:bodyPr wrap="none" rtlCol="0">
+            <a:spAutoFit/>
+          </a:bodyPr>
+          <a:lstStyle/>
+          <a:p>
+            <a:r>
+              <a:rPr lang="en-US" sz="2800" dirty="0" smtClean="0">
+                <a:solidFill>
+                  <a:srgbClr val="FFC000"/>
+                </a:solidFill>
+                <a:sym typeface="Wingdings"/>
+              </a:rPr>
+              <a:t></a:t>
+            </a:r>
+            <a:endParaRPr lang="en-US" sz="2800" dirty="0">
+              <a:solidFill>
+                <a:srgbClr val="FFC000"/>
+              </a:solidFill>
+            </a:endParaRPr>
+          </a:p>
+        </p:txBody>
+      </p:sp>
+      <p:sp>
+        <p:nvSpPr>
+          <p:cNvPr id="29" name="TextBox 28"/>
+          <p:cNvSpPr txBox="1"/>
+          <p:nvPr/>
+        </p:nvSpPr>
+        <p:spPr>
+          <a:xfrm>
+            <a:off x="2371596" y="392482"/>
+            <a:ext cx="1035483" cy="307777"/>
+          </a:xfrm>
+          <a:prstGeom prst="rect">
+            <a:avLst/>
+          </a:prstGeom>
+          <a:noFill/>
+        </p:spPr>
+        <p:txBody>
+          <a:bodyPr wrap="square" rtlCol="0">
+            <a:spAutoFit/>
+          </a:bodyPr>
+          <a:lstStyle/>
+          <a:p>
+            <a:pPr algn="ctr"/>
+            <a:r>
+              <a:rPr lang="km-KH" sz="1400" dirty="0" smtClean="0">
+                <a:solidFill>
+                  <a:schemeClr val="tx1">
+                    <a:lumMod val="95000"/>
+                    <a:lumOff val="5000"/>
+                  </a:schemeClr>
+                </a:solidFill>
+                <a:latin typeface="Khmer OS Bokor" pitchFamily="2" charset="0"/>
+                <a:cs typeface="Khmer OS Bokor" pitchFamily="2" charset="0"/>
+              </a:rPr>
+              <a:t>កម្មវិធី</a:t>
+            </a:r>
+            <a:endParaRPr lang="en-US" sz="1400" dirty="0">
+              <a:solidFill>
+                <a:schemeClr val="tx1">
+                  <a:lumMod val="95000"/>
+                  <a:lumOff val="5000"/>
+                </a:schemeClr>
+              </a:solidFill>
+              <a:latin typeface="Khmer OS Bokor" pitchFamily="2" charset="0"/>
+              <a:cs typeface="Khmer OS Bokor" pitchFamily="2" charset="0"/>
+            </a:endParaRPr>
+          </a:p>
+        </p:txBody>
+      </p:sp>
+      <p:sp>
+        <p:nvSpPr>
+          <p:cNvPr id="30" name="TextBox 29"/>
+          <p:cNvSpPr txBox="1"/>
+          <p:nvPr/>
+        </p:nvSpPr>
+        <p:spPr>
+          <a:xfrm>
+            <a:off x="3388290" y="382044"/>
+            <a:ext cx="1035483" cy="307777"/>
+          </a:xfrm>
+          <a:prstGeom prst="rect">
+            <a:avLst/>
+          </a:prstGeom>
+          <a:noFill/>
+        </p:spPr>
+        <p:txBody>
+          <a:bodyPr wrap="square" rtlCol="0">
+            <a:spAutoFit/>
+          </a:bodyPr>
+          <a:lstStyle/>
+          <a:p>
+            <a:pPr algn="ctr"/>
+            <a:r>
+              <a:rPr lang="km-KH" sz="1400" dirty="0" smtClean="0">
+                <a:solidFill>
+                  <a:schemeClr val="tx1">
+                    <a:lumMod val="95000"/>
+                    <a:lumOff val="5000"/>
+                  </a:schemeClr>
+                </a:solidFill>
+                <a:latin typeface="Khmer OS Bokor" pitchFamily="2" charset="0"/>
+                <a:cs typeface="Khmer OS Bokor" pitchFamily="2" charset="0"/>
+              </a:rPr>
+              <a:t>ម្ហូបអាហារ</a:t>
+            </a:r>
+            <a:endParaRPr lang="en-US" sz="1400" dirty="0">
+              <a:solidFill>
+                <a:schemeClr val="tx1">
+                  <a:lumMod val="95000"/>
+                  <a:lumOff val="5000"/>
+                </a:schemeClr>
+              </a:solidFill>
+              <a:latin typeface="Khmer OS Bokor" pitchFamily="2" charset="0"/>
+              <a:cs typeface="Khmer OS Bokor" pitchFamily="2" charset="0"/>
+            </a:endParaRPr>
+          </a:p>
+        </p:txBody>
+      </p:sp>
+      <p:sp>
+        <p:nvSpPr>
+          <p:cNvPr id="31" name="TextBox 30"/>
+          <p:cNvSpPr txBox="1"/>
+          <p:nvPr/>
+        </p:nvSpPr>
+        <p:spPr>
+          <a:xfrm>
+            <a:off x="4517718" y="384132"/>
+            <a:ext cx="1035483" cy="307777"/>
+          </a:xfrm>
+          <a:prstGeom prst="rect">
+            <a:avLst/>
+          </a:prstGeom>
+          <a:noFill/>
+        </p:spPr>
+        <p:txBody>
+          <a:bodyPr wrap="square" rtlCol="0">
+            <a:spAutoFit/>
+          </a:bodyPr>
+          <a:lstStyle/>
+          <a:p>
+            <a:pPr algn="ctr"/>
+            <a:r>
+              <a:rPr lang="km-KH" sz="1400" dirty="0" smtClean="0">
+                <a:solidFill>
+                  <a:schemeClr val="tx1">
+                    <a:lumMod val="95000"/>
+                    <a:lumOff val="5000"/>
+                  </a:schemeClr>
+                </a:solidFill>
+                <a:latin typeface="Khmer OS Bokor" pitchFamily="2" charset="0"/>
+                <a:cs typeface="Khmer OS Bokor" pitchFamily="2" charset="0"/>
+              </a:rPr>
+              <a:t>កន្លែងកំសាន្ដ</a:t>
+            </a:r>
+            <a:endParaRPr lang="en-US" sz="1400" dirty="0">
+              <a:solidFill>
+                <a:schemeClr val="tx1">
+                  <a:lumMod val="95000"/>
+                  <a:lumOff val="5000"/>
+                </a:schemeClr>
+              </a:solidFill>
+              <a:latin typeface="Khmer OS Bokor" pitchFamily="2" charset="0"/>
+              <a:cs typeface="Khmer OS Bokor" pitchFamily="2" charset="0"/>
+            </a:endParaRPr>
+          </a:p>
+        </p:txBody>
+      </p:sp>
+      <p:cxnSp>
+        <p:nvCxnSpPr>
+          <p:cNvPr id="32" name="Straight Connector 4"/>
+          <p:cNvCxnSpPr/>
+          <p:nvPr/>
+        </p:nvCxnSpPr>
+        <p:spPr>
+          <a:xfrm>
+            <a:off x="2088" y="7912"/>
+            <a:ext cx="12192000" cy="0"/>
+          </a:xfrm>
+          <a:prstGeom prst="line">
+            <a:avLst/>
+          </a:prstGeom>
+          <a:ln w="38100">
+            <a:solidFill>
+              <a:srgbClr val="FF0000"/>
+            </a:solidFill>
+          </a:ln>
+        </p:spPr>
+        <p:style>
+          <a:lnRef idx="1">
+            <a:schemeClr val="accent1"/>
+          </a:lnRef>
+          <a:fillRef idx="0">
+            <a:schemeClr val="accent1"/>
+          </a:fillRef>
+          <a:effectRef idx="0">
+            <a:schemeClr val="accent1"/>
+          </a:effectRef>
+          <a:fontRef idx="minor">
+            <a:schemeClr val="tx1"/>
+          </a:fontRef>
+        </p:style>
+      </p:cxnSp>
     </p:spTree>
     <p:extLst>
       <p:ext uri="{BB962C8B-B14F-4D97-AF65-F5344CB8AC3E}">
-        <p14:creationId xmlns:p14="http://schemas.microsoft.com/office/powerpoint/2010/main" val="2448580552"/>
+        <p14:creationId xmlns:p14="http://schemas.microsoft.com/office/powerpoint/2010/main" xmlns="" val="2448580552"/>
+      </p:ext>
+    </p:extLst>
+  </p:cSld>
+  <p:clrMapOvr>
+    <a:masterClrMapping/>
+  </p:clrMapOvr>
+</p:sld>
+</file>
+
+<file path=ppt/slides/slide3.xml><?xml version="1.0" encoding="utf-8"?>
+<p:sld xmlns:a="http://schemas.openxmlformats.org/drawingml/2006/main" xmlns:r="http://schemas.openxmlformats.org/officeDocument/2006/relationships" xmlns:p="http://schemas.openxmlformats.org/presentationml/2006/main">
+  <p:cSld>
+    <p:spTree>
+      <p:nvGrpSpPr>
+        <p:cNvPr id="1" name=""/>
+        <p:cNvGrpSpPr/>
+        <p:nvPr/>
+      </p:nvGrpSpPr>
+      <p:grpSpPr>
+        <a:xfrm>
+          <a:off x="0" y="0"/>
+          <a:ext cx="0" cy="0"/>
+          <a:chOff x="0" y="0"/>
+          <a:chExt cx="0" cy="0"/>
+        </a:xfrm>
+      </p:grpSpPr>
+      <p:cxnSp>
+        <p:nvCxnSpPr>
+          <p:cNvPr id="5" name="Straight Connector 4"/>
+          <p:cNvCxnSpPr/>
+          <p:nvPr/>
+        </p:nvCxnSpPr>
+        <p:spPr>
+          <a:xfrm>
+            <a:off x="0" y="769910"/>
+            <a:ext cx="12192000" cy="0"/>
+          </a:xfrm>
+          <a:prstGeom prst="line">
+            <a:avLst/>
+          </a:prstGeom>
+          <a:ln w="6350">
+            <a:solidFill>
+              <a:srgbClr val="FFC000"/>
+            </a:solidFill>
+          </a:ln>
+        </p:spPr>
+        <p:style>
+          <a:lnRef idx="1">
+            <a:schemeClr val="accent1"/>
+          </a:lnRef>
+          <a:fillRef idx="0">
+            <a:schemeClr val="accent1"/>
+          </a:fillRef>
+          <a:effectRef idx="0">
+            <a:schemeClr val="accent1"/>
+          </a:effectRef>
+          <a:fontRef idx="minor">
+            <a:schemeClr val="tx1"/>
+          </a:fontRef>
+        </p:style>
+      </p:cxnSp>
+      <p:sp>
+        <p:nvSpPr>
+          <p:cNvPr id="20" name="TextBox 19"/>
+          <p:cNvSpPr txBox="1"/>
+          <p:nvPr/>
+        </p:nvSpPr>
+        <p:spPr>
+          <a:xfrm>
+            <a:off x="8317281" y="75156"/>
+            <a:ext cx="1657826" cy="215444"/>
+          </a:xfrm>
+          <a:prstGeom prst="rect">
+            <a:avLst/>
+          </a:prstGeom>
+          <a:noFill/>
+        </p:spPr>
+        <p:txBody>
+          <a:bodyPr wrap="none" rtlCol="0">
+            <a:spAutoFit/>
+          </a:bodyPr>
+          <a:lstStyle/>
+          <a:p>
+            <a:r>
+              <a:rPr lang="km-KH" sz="800" dirty="0" smtClean="0">
+                <a:solidFill>
+                  <a:schemeClr val="tx1">
+                    <a:lumMod val="50000"/>
+                    <a:lumOff val="50000"/>
+                  </a:schemeClr>
+                </a:solidFill>
+                <a:latin typeface="Khmer OS Battambang" pitchFamily="2" charset="0"/>
+                <a:cs typeface="Khmer OS Battambang" pitchFamily="2" charset="0"/>
+              </a:rPr>
+              <a:t>ចូលប្រើប្រាស់​  </a:t>
+            </a:r>
+            <a:r>
+              <a:rPr lang="en-US" sz="800" dirty="0" smtClean="0">
+                <a:solidFill>
+                  <a:schemeClr val="tx1">
+                    <a:lumMod val="50000"/>
+                    <a:lumOff val="50000"/>
+                  </a:schemeClr>
+                </a:solidFill>
+                <a:latin typeface="Khmer OS Battambang" pitchFamily="2" charset="0"/>
+                <a:cs typeface="Khmer OS Battambang" pitchFamily="2" charset="0"/>
+              </a:rPr>
+              <a:t>|  </a:t>
+            </a:r>
+            <a:r>
+              <a:rPr lang="km-KH" sz="800" dirty="0" smtClean="0">
+                <a:solidFill>
+                  <a:schemeClr val="tx1">
+                    <a:lumMod val="50000"/>
+                    <a:lumOff val="50000"/>
+                  </a:schemeClr>
+                </a:solidFill>
+                <a:latin typeface="Khmer OS Battambang" pitchFamily="2" charset="0"/>
+                <a:cs typeface="Khmer OS Battambang" pitchFamily="2" charset="0"/>
+              </a:rPr>
+              <a:t>ចុះឈ្មោះប្រើប្រាស់</a:t>
+            </a:r>
+            <a:endParaRPr lang="en-US" sz="800" dirty="0">
+              <a:solidFill>
+                <a:schemeClr val="tx1">
+                  <a:lumMod val="50000"/>
+                  <a:lumOff val="50000"/>
+                </a:schemeClr>
+              </a:solidFill>
+              <a:latin typeface="Khmer OS Battambang" pitchFamily="2" charset="0"/>
+              <a:cs typeface="Khmer OS Battambang" pitchFamily="2" charset="0"/>
+            </a:endParaRPr>
+          </a:p>
+        </p:txBody>
+      </p:sp>
+      <p:sp>
+        <p:nvSpPr>
+          <p:cNvPr id="21" name="TextBox 20"/>
+          <p:cNvSpPr txBox="1"/>
+          <p:nvPr/>
+        </p:nvSpPr>
+        <p:spPr>
+          <a:xfrm>
+            <a:off x="1365337" y="112734"/>
+            <a:ext cx="556563" cy="523220"/>
+          </a:xfrm>
+          <a:prstGeom prst="rect">
+            <a:avLst/>
+          </a:prstGeom>
+          <a:noFill/>
+        </p:spPr>
+        <p:txBody>
+          <a:bodyPr wrap="none" rtlCol="0">
+            <a:spAutoFit/>
+          </a:bodyPr>
+          <a:lstStyle/>
+          <a:p>
+            <a:r>
+              <a:rPr lang="en-US" sz="2800" dirty="0" smtClean="0">
+                <a:solidFill>
+                  <a:srgbClr val="FFC000"/>
+                </a:solidFill>
+                <a:sym typeface="Wingdings"/>
+              </a:rPr>
+              <a:t></a:t>
+            </a:r>
+            <a:endParaRPr lang="en-US" sz="2800" dirty="0">
+              <a:solidFill>
+                <a:srgbClr val="FFC000"/>
+              </a:solidFill>
+            </a:endParaRPr>
+          </a:p>
+        </p:txBody>
+      </p:sp>
+      <p:sp>
+        <p:nvSpPr>
+          <p:cNvPr id="22" name="TextBox 21"/>
+          <p:cNvSpPr txBox="1"/>
+          <p:nvPr/>
+        </p:nvSpPr>
+        <p:spPr>
+          <a:xfrm>
+            <a:off x="2371596" y="392482"/>
+            <a:ext cx="1035483" cy="307777"/>
+          </a:xfrm>
+          <a:prstGeom prst="rect">
+            <a:avLst/>
+          </a:prstGeom>
+          <a:noFill/>
+        </p:spPr>
+        <p:txBody>
+          <a:bodyPr wrap="square" rtlCol="0">
+            <a:spAutoFit/>
+          </a:bodyPr>
+          <a:lstStyle/>
+          <a:p>
+            <a:pPr algn="ctr"/>
+            <a:r>
+              <a:rPr lang="km-KH" sz="1400" dirty="0" smtClean="0">
+                <a:solidFill>
+                  <a:schemeClr val="tx1">
+                    <a:lumMod val="95000"/>
+                    <a:lumOff val="5000"/>
+                  </a:schemeClr>
+                </a:solidFill>
+                <a:latin typeface="Khmer OS Bokor" pitchFamily="2" charset="0"/>
+                <a:cs typeface="Khmer OS Bokor" pitchFamily="2" charset="0"/>
+              </a:rPr>
+              <a:t>កម្មវិធី</a:t>
+            </a:r>
+            <a:endParaRPr lang="en-US" sz="1400" dirty="0">
+              <a:solidFill>
+                <a:schemeClr val="tx1">
+                  <a:lumMod val="95000"/>
+                  <a:lumOff val="5000"/>
+                </a:schemeClr>
+              </a:solidFill>
+              <a:latin typeface="Khmer OS Bokor" pitchFamily="2" charset="0"/>
+              <a:cs typeface="Khmer OS Bokor" pitchFamily="2" charset="0"/>
+            </a:endParaRPr>
+          </a:p>
+        </p:txBody>
+      </p:sp>
+      <p:sp>
+        <p:nvSpPr>
+          <p:cNvPr id="23" name="TextBox 22"/>
+          <p:cNvSpPr txBox="1"/>
+          <p:nvPr/>
+        </p:nvSpPr>
+        <p:spPr>
+          <a:xfrm>
+            <a:off x="3388290" y="382044"/>
+            <a:ext cx="1035483" cy="307777"/>
+          </a:xfrm>
+          <a:prstGeom prst="rect">
+            <a:avLst/>
+          </a:prstGeom>
+          <a:noFill/>
+        </p:spPr>
+        <p:txBody>
+          <a:bodyPr wrap="square" rtlCol="0">
+            <a:spAutoFit/>
+          </a:bodyPr>
+          <a:lstStyle/>
+          <a:p>
+            <a:pPr algn="ctr"/>
+            <a:r>
+              <a:rPr lang="km-KH" sz="1400" dirty="0" smtClean="0">
+                <a:solidFill>
+                  <a:schemeClr val="tx1">
+                    <a:lumMod val="95000"/>
+                    <a:lumOff val="5000"/>
+                  </a:schemeClr>
+                </a:solidFill>
+                <a:latin typeface="Khmer OS Bokor" pitchFamily="2" charset="0"/>
+                <a:cs typeface="Khmer OS Bokor" pitchFamily="2" charset="0"/>
+              </a:rPr>
+              <a:t>ម្ហូបអាហារ</a:t>
+            </a:r>
+            <a:endParaRPr lang="en-US" sz="1400" dirty="0">
+              <a:solidFill>
+                <a:schemeClr val="tx1">
+                  <a:lumMod val="95000"/>
+                  <a:lumOff val="5000"/>
+                </a:schemeClr>
+              </a:solidFill>
+              <a:latin typeface="Khmer OS Bokor" pitchFamily="2" charset="0"/>
+              <a:cs typeface="Khmer OS Bokor" pitchFamily="2" charset="0"/>
+            </a:endParaRPr>
+          </a:p>
+        </p:txBody>
+      </p:sp>
+      <p:sp>
+        <p:nvSpPr>
+          <p:cNvPr id="24" name="TextBox 23"/>
+          <p:cNvSpPr txBox="1"/>
+          <p:nvPr/>
+        </p:nvSpPr>
+        <p:spPr>
+          <a:xfrm>
+            <a:off x="4517718" y="384132"/>
+            <a:ext cx="1035483" cy="307777"/>
+          </a:xfrm>
+          <a:prstGeom prst="rect">
+            <a:avLst/>
+          </a:prstGeom>
+          <a:noFill/>
+        </p:spPr>
+        <p:txBody>
+          <a:bodyPr wrap="square" rtlCol="0">
+            <a:spAutoFit/>
+          </a:bodyPr>
+          <a:lstStyle/>
+          <a:p>
+            <a:pPr algn="ctr"/>
+            <a:r>
+              <a:rPr lang="km-KH" sz="1400" dirty="0" smtClean="0">
+                <a:solidFill>
+                  <a:schemeClr val="tx1">
+                    <a:lumMod val="95000"/>
+                    <a:lumOff val="5000"/>
+                  </a:schemeClr>
+                </a:solidFill>
+                <a:latin typeface="Khmer OS Bokor" pitchFamily="2" charset="0"/>
+                <a:cs typeface="Khmer OS Bokor" pitchFamily="2" charset="0"/>
+              </a:rPr>
+              <a:t>កន្លែងកំសាន្ដ</a:t>
+            </a:r>
+            <a:endParaRPr lang="en-US" sz="1400" dirty="0">
+              <a:solidFill>
+                <a:schemeClr val="tx1">
+                  <a:lumMod val="95000"/>
+                  <a:lumOff val="5000"/>
+                </a:schemeClr>
+              </a:solidFill>
+              <a:latin typeface="Khmer OS Bokor" pitchFamily="2" charset="0"/>
+              <a:cs typeface="Khmer OS Bokor" pitchFamily="2" charset="0"/>
+            </a:endParaRPr>
+          </a:p>
+        </p:txBody>
+      </p:sp>
+      <p:cxnSp>
+        <p:nvCxnSpPr>
+          <p:cNvPr id="25" name="Straight Connector 4"/>
+          <p:cNvCxnSpPr/>
+          <p:nvPr/>
+        </p:nvCxnSpPr>
+        <p:spPr>
+          <a:xfrm>
+            <a:off x="2088" y="7912"/>
+            <a:ext cx="12192000" cy="0"/>
+          </a:xfrm>
+          <a:prstGeom prst="line">
+            <a:avLst/>
+          </a:prstGeom>
+          <a:ln w="38100">
+            <a:solidFill>
+              <a:srgbClr val="FF0000"/>
+            </a:solidFill>
+          </a:ln>
+        </p:spPr>
+        <p:style>
+          <a:lnRef idx="1">
+            <a:schemeClr val="accent1"/>
+          </a:lnRef>
+          <a:fillRef idx="0">
+            <a:schemeClr val="accent1"/>
+          </a:fillRef>
+          <a:effectRef idx="0">
+            <a:schemeClr val="accent1"/>
+          </a:effectRef>
+          <a:fontRef idx="minor">
+            <a:schemeClr val="tx1"/>
+          </a:fontRef>
+        </p:style>
+      </p:cxnSp>
+    </p:spTree>
+    <p:extLst>
+      <p:ext uri="{BB962C8B-B14F-4D97-AF65-F5344CB8AC3E}">
+        <p14:creationId xmlns:p14="http://schemas.microsoft.com/office/powerpoint/2010/main" xmlns="" val="2448580552"/>
       </p:ext>
     </p:extLst>
   </p:cSld>
@@ -3308,7 +4332,7 @@
     </a:clrScheme>
     <a:fontScheme name="Office">
       <a:majorFont>
-        <a:latin typeface="맑은 고딕" panose="020F0302020204030204"/>
+        <a:latin typeface="맑은 고딕"/>
         <a:ea typeface=""/>
         <a:cs typeface=""/>
         <a:font script="Jpan" typeface="ＭＳ Ｐゴシック"/>
@@ -3343,7 +4367,7 @@
         <a:font script="Geor" typeface="Sylfaen"/>
       </a:majorFont>
       <a:minorFont>
-        <a:latin typeface="맑은 고딕" panose="020F0502020204030204"/>
+        <a:latin typeface="맑은 고딕"/>
         <a:ea typeface=""/>
         <a:cs typeface=""/>
         <a:font script="Jpan" typeface="ＭＳ Ｐゴシック"/>
@@ -3520,7 +4544,7 @@
   <a:extraClrSchemeLst/>
   <a:extLst>
     <a:ext uri="{05A4C25C-085E-4340-85A3-A5531E510DB2}">
-      <thm15:themeFamily xmlns:thm15="http://schemas.microsoft.com/office/thememl/2012/main" name="Office Theme" id="{62F939B6-93AF-4DB8-9C6B-D6C7DFDC589F}" vid="{4A3C46E8-61CC-4603-A589-7422A47A8E4A}"/>
+      <thm15:themeFamily xmlns:thm15="http://schemas.microsoft.com/office/thememl/2012/main" xmlns="" name="Office Theme" id="{62F939B6-93AF-4DB8-9C6B-D6C7DFDC589F}" vid="{4A3C46E8-61CC-4603-A589-7422A47A8E4A}"/>
     </a:ext>
   </a:extLst>
 </a:theme>

--- a/Q_AND_A/src/main/resources/templates/documents/program.pptx
+++ b/Q_AND_A/src/main/resources/templates/documents/program.pptx
@@ -7,7 +7,8 @@
   <p:sldIdLst>
     <p:sldId id="256" r:id="rId2"/>
     <p:sldId id="257" r:id="rId3"/>
-    <p:sldId id="258" r:id="rId4"/>
+    <p:sldId id="259" r:id="rId4"/>
+    <p:sldId id="260" r:id="rId5"/>
   </p:sldIdLst>
   <p:sldSz cx="12192000" cy="6858000"/>
   <p:notesSz cx="6858000" cy="9144000"/>
@@ -108,7 +109,18 @@
   </p:defaultTextStyle>
   <p:extLst>
     <p:ext uri="{EFAFB233-063F-42B5-8137-9DF3F51BA10A}">
-      <p15:sldGuideLst xmlns:p15="http://schemas.microsoft.com/office/powerpoint/2012/main" xmlns=""/>
+      <p15:sldGuideLst xmlns:p15="http://schemas.microsoft.com/office/powerpoint/2012/main">
+        <p15:guide id="1" orient="horz" pos="2160">
+          <p15:clr>
+            <a:srgbClr val="A4A3A4"/>
+          </p15:clr>
+        </p15:guide>
+        <p15:guide id="2" pos="3840">
+          <p15:clr>
+            <a:srgbClr val="A4A3A4"/>
+          </p15:clr>
+        </p15:guide>
+      </p15:sldGuideLst>
     </p:ext>
   </p:extLst>
 </p:presentation>
@@ -246,7 +258,7 @@
             <a:fld id="{7492E2E8-2039-415F-8331-6FECA45A55D1}" type="datetimeFigureOut">
               <a:rPr lang="ko-KR" altLang="en-US" smtClean="0"/>
               <a:pPr/>
-              <a:t>2018-03-27</a:t>
+              <a:t>2018-03-28</a:t>
             </a:fld>
             <a:endParaRPr lang="ko-KR" altLang="en-US"/>
           </a:p>
@@ -298,7 +310,7 @@
     </p:spTree>
     <p:extLst>
       <p:ext uri="{BB962C8B-B14F-4D97-AF65-F5344CB8AC3E}">
-        <p14:creationId xmlns:p14="http://schemas.microsoft.com/office/powerpoint/2010/main" xmlns="" val="4001021935"/>
+        <p14:creationId xmlns:p14="http://schemas.microsoft.com/office/powerpoint/2010/main" val="4001021935"/>
       </p:ext>
     </p:extLst>
   </p:cSld>
@@ -418,7 +430,7 @@
             <a:fld id="{7492E2E8-2039-415F-8331-6FECA45A55D1}" type="datetimeFigureOut">
               <a:rPr lang="ko-KR" altLang="en-US" smtClean="0"/>
               <a:pPr/>
-              <a:t>2018-03-27</a:t>
+              <a:t>2018-03-28</a:t>
             </a:fld>
             <a:endParaRPr lang="ko-KR" altLang="en-US"/>
           </a:p>
@@ -470,7 +482,7 @@
     </p:spTree>
     <p:extLst>
       <p:ext uri="{BB962C8B-B14F-4D97-AF65-F5344CB8AC3E}">
-        <p14:creationId xmlns:p14="http://schemas.microsoft.com/office/powerpoint/2010/main" xmlns="" val="1114942506"/>
+        <p14:creationId xmlns:p14="http://schemas.microsoft.com/office/powerpoint/2010/main" val="1114942506"/>
       </p:ext>
     </p:extLst>
   </p:cSld>
@@ -600,7 +612,7 @@
             <a:fld id="{7492E2E8-2039-415F-8331-6FECA45A55D1}" type="datetimeFigureOut">
               <a:rPr lang="ko-KR" altLang="en-US" smtClean="0"/>
               <a:pPr/>
-              <a:t>2018-03-27</a:t>
+              <a:t>2018-03-28</a:t>
             </a:fld>
             <a:endParaRPr lang="ko-KR" altLang="en-US"/>
           </a:p>
@@ -652,7 +664,7 @@
     </p:spTree>
     <p:extLst>
       <p:ext uri="{BB962C8B-B14F-4D97-AF65-F5344CB8AC3E}">
-        <p14:creationId xmlns:p14="http://schemas.microsoft.com/office/powerpoint/2010/main" xmlns="" val="8663585"/>
+        <p14:creationId xmlns:p14="http://schemas.microsoft.com/office/powerpoint/2010/main" val="8663585"/>
       </p:ext>
     </p:extLst>
   </p:cSld>
@@ -772,7 +784,7 @@
             <a:fld id="{7492E2E8-2039-415F-8331-6FECA45A55D1}" type="datetimeFigureOut">
               <a:rPr lang="ko-KR" altLang="en-US" smtClean="0"/>
               <a:pPr/>
-              <a:t>2018-03-27</a:t>
+              <a:t>2018-03-28</a:t>
             </a:fld>
             <a:endParaRPr lang="ko-KR" altLang="en-US"/>
           </a:p>
@@ -824,7 +836,7 @@
     </p:spTree>
     <p:extLst>
       <p:ext uri="{BB962C8B-B14F-4D97-AF65-F5344CB8AC3E}">
-        <p14:creationId xmlns:p14="http://schemas.microsoft.com/office/powerpoint/2010/main" xmlns="" val="725851527"/>
+        <p14:creationId xmlns:p14="http://schemas.microsoft.com/office/powerpoint/2010/main" val="725851527"/>
       </p:ext>
     </p:extLst>
   </p:cSld>
@@ -1020,7 +1032,7 @@
             <a:fld id="{7492E2E8-2039-415F-8331-6FECA45A55D1}" type="datetimeFigureOut">
               <a:rPr lang="ko-KR" altLang="en-US" smtClean="0"/>
               <a:pPr/>
-              <a:t>2018-03-27</a:t>
+              <a:t>2018-03-28</a:t>
             </a:fld>
             <a:endParaRPr lang="ko-KR" altLang="en-US"/>
           </a:p>
@@ -1072,7 +1084,7 @@
     </p:spTree>
     <p:extLst>
       <p:ext uri="{BB962C8B-B14F-4D97-AF65-F5344CB8AC3E}">
-        <p14:creationId xmlns:p14="http://schemas.microsoft.com/office/powerpoint/2010/main" xmlns="" val="3391619978"/>
+        <p14:creationId xmlns:p14="http://schemas.microsoft.com/office/powerpoint/2010/main" val="3391619978"/>
       </p:ext>
     </p:extLst>
   </p:cSld>
@@ -1254,7 +1266,7 @@
             <a:fld id="{7492E2E8-2039-415F-8331-6FECA45A55D1}" type="datetimeFigureOut">
               <a:rPr lang="ko-KR" altLang="en-US" smtClean="0"/>
               <a:pPr/>
-              <a:t>2018-03-27</a:t>
+              <a:t>2018-03-28</a:t>
             </a:fld>
             <a:endParaRPr lang="ko-KR" altLang="en-US"/>
           </a:p>
@@ -1306,7 +1318,7 @@
     </p:spTree>
     <p:extLst>
       <p:ext uri="{BB962C8B-B14F-4D97-AF65-F5344CB8AC3E}">
-        <p14:creationId xmlns:p14="http://schemas.microsoft.com/office/powerpoint/2010/main" xmlns="" val="3820556318"/>
+        <p14:creationId xmlns:p14="http://schemas.microsoft.com/office/powerpoint/2010/main" val="3820556318"/>
       </p:ext>
     </p:extLst>
   </p:cSld>
@@ -1623,7 +1635,7 @@
             <a:fld id="{7492E2E8-2039-415F-8331-6FECA45A55D1}" type="datetimeFigureOut">
               <a:rPr lang="ko-KR" altLang="en-US" smtClean="0"/>
               <a:pPr/>
-              <a:t>2018-03-27</a:t>
+              <a:t>2018-03-28</a:t>
             </a:fld>
             <a:endParaRPr lang="ko-KR" altLang="en-US"/>
           </a:p>
@@ -1675,7 +1687,7 @@
     </p:spTree>
     <p:extLst>
       <p:ext uri="{BB962C8B-B14F-4D97-AF65-F5344CB8AC3E}">
-        <p14:creationId xmlns:p14="http://schemas.microsoft.com/office/powerpoint/2010/main" xmlns="" val="3088283726"/>
+        <p14:creationId xmlns:p14="http://schemas.microsoft.com/office/powerpoint/2010/main" val="3088283726"/>
       </p:ext>
     </p:extLst>
   </p:cSld>
@@ -1743,7 +1755,7 @@
             <a:fld id="{7492E2E8-2039-415F-8331-6FECA45A55D1}" type="datetimeFigureOut">
               <a:rPr lang="ko-KR" altLang="en-US" smtClean="0"/>
               <a:pPr/>
-              <a:t>2018-03-27</a:t>
+              <a:t>2018-03-28</a:t>
             </a:fld>
             <a:endParaRPr lang="ko-KR" altLang="en-US"/>
           </a:p>
@@ -1795,7 +1807,7 @@
     </p:spTree>
     <p:extLst>
       <p:ext uri="{BB962C8B-B14F-4D97-AF65-F5344CB8AC3E}">
-        <p14:creationId xmlns:p14="http://schemas.microsoft.com/office/powerpoint/2010/main" xmlns="" val="198278470"/>
+        <p14:creationId xmlns:p14="http://schemas.microsoft.com/office/powerpoint/2010/main" val="198278470"/>
       </p:ext>
     </p:extLst>
   </p:cSld>
@@ -1840,7 +1852,7 @@
             <a:fld id="{7492E2E8-2039-415F-8331-6FECA45A55D1}" type="datetimeFigureOut">
               <a:rPr lang="ko-KR" altLang="en-US" smtClean="0"/>
               <a:pPr/>
-              <a:t>2018-03-27</a:t>
+              <a:t>2018-03-28</a:t>
             </a:fld>
             <a:endParaRPr lang="ko-KR" altLang="en-US"/>
           </a:p>
@@ -1892,7 +1904,7 @@
     </p:spTree>
     <p:extLst>
       <p:ext uri="{BB962C8B-B14F-4D97-AF65-F5344CB8AC3E}">
-        <p14:creationId xmlns:p14="http://schemas.microsoft.com/office/powerpoint/2010/main" xmlns="" val="2025956099"/>
+        <p14:creationId xmlns:p14="http://schemas.microsoft.com/office/powerpoint/2010/main" val="2025956099"/>
       </p:ext>
     </p:extLst>
   </p:cSld>
@@ -2119,7 +2131,7 @@
             <a:fld id="{7492E2E8-2039-415F-8331-6FECA45A55D1}" type="datetimeFigureOut">
               <a:rPr lang="ko-KR" altLang="en-US" smtClean="0"/>
               <a:pPr/>
-              <a:t>2018-03-27</a:t>
+              <a:t>2018-03-28</a:t>
             </a:fld>
             <a:endParaRPr lang="ko-KR" altLang="en-US"/>
           </a:p>
@@ -2171,7 +2183,7 @@
     </p:spTree>
     <p:extLst>
       <p:ext uri="{BB962C8B-B14F-4D97-AF65-F5344CB8AC3E}">
-        <p14:creationId xmlns:p14="http://schemas.microsoft.com/office/powerpoint/2010/main" xmlns="" val="809531414"/>
+        <p14:creationId xmlns:p14="http://schemas.microsoft.com/office/powerpoint/2010/main" val="809531414"/>
       </p:ext>
     </p:extLst>
   </p:cSld>
@@ -2374,7 +2386,7 @@
             <a:fld id="{7492E2E8-2039-415F-8331-6FECA45A55D1}" type="datetimeFigureOut">
               <a:rPr lang="ko-KR" altLang="en-US" smtClean="0"/>
               <a:pPr/>
-              <a:t>2018-03-27</a:t>
+              <a:t>2018-03-28</a:t>
             </a:fld>
             <a:endParaRPr lang="ko-KR" altLang="en-US"/>
           </a:p>
@@ -2426,7 +2438,7 @@
     </p:spTree>
     <p:extLst>
       <p:ext uri="{BB962C8B-B14F-4D97-AF65-F5344CB8AC3E}">
-        <p14:creationId xmlns:p14="http://schemas.microsoft.com/office/powerpoint/2010/main" xmlns="" val="1633920838"/>
+        <p14:creationId xmlns:p14="http://schemas.microsoft.com/office/powerpoint/2010/main" val="1633920838"/>
       </p:ext>
     </p:extLst>
   </p:cSld>
@@ -2589,7 +2601,7 @@
             <a:fld id="{7492E2E8-2039-415F-8331-6FECA45A55D1}" type="datetimeFigureOut">
               <a:rPr lang="ko-KR" altLang="en-US" smtClean="0"/>
               <a:pPr/>
-              <a:t>2018-03-27</a:t>
+              <a:t>2018-03-28</a:t>
             </a:fld>
             <a:endParaRPr lang="ko-KR" altLang="en-US"/>
           </a:p>
@@ -2677,7 +2689,7 @@
     </p:spTree>
     <p:extLst>
       <p:ext uri="{BB962C8B-B14F-4D97-AF65-F5344CB8AC3E}">
-        <p14:creationId xmlns:p14="http://schemas.microsoft.com/office/powerpoint/2010/main" xmlns="" val="1420427914"/>
+        <p14:creationId xmlns:p14="http://schemas.microsoft.com/office/powerpoint/2010/main" val="1420427914"/>
       </p:ext>
     </p:extLst>
   </p:cSld>
@@ -3036,7 +3048,7 @@
     </p:spTree>
     <p:extLst>
       <p:ext uri="{BB962C8B-B14F-4D97-AF65-F5344CB8AC3E}">
-        <p14:creationId xmlns:p14="http://schemas.microsoft.com/office/powerpoint/2010/main" xmlns="" val="3019154037"/>
+        <p14:creationId xmlns:p14="http://schemas.microsoft.com/office/powerpoint/2010/main" val="3019154037"/>
       </p:ext>
     </p:extLst>
   </p:cSld>
@@ -3919,7 +3931,7 @@
     </p:spTree>
     <p:extLst>
       <p:ext uri="{BB962C8B-B14F-4D97-AF65-F5344CB8AC3E}">
-        <p14:creationId xmlns:p14="http://schemas.microsoft.com/office/powerpoint/2010/main" xmlns="" val="2448580552"/>
+        <p14:creationId xmlns:p14="http://schemas.microsoft.com/office/powerpoint/2010/main" val="2448580552"/>
       </p:ext>
     </p:extLst>
   </p:cSld>
@@ -4102,7 +4114,7 @@
         </p:nvSpPr>
         <p:spPr>
           <a:xfrm>
-            <a:off x="2371596" y="392482"/>
+            <a:off x="2371596" y="469756"/>
             <a:ext cx="1035483" cy="307777"/>
           </a:xfrm>
           <a:prstGeom prst="rect">
@@ -4151,7 +4163,7 @@
         </p:nvSpPr>
         <p:spPr>
           <a:xfrm>
-            <a:off x="3388290" y="382044"/>
+            <a:off x="3388290" y="459318"/>
             <a:ext cx="1035483" cy="307777"/>
           </a:xfrm>
           <a:prstGeom prst="rect">
@@ -4200,7 +4212,7 @@
         </p:nvSpPr>
         <p:spPr>
           <a:xfrm>
-            <a:off x="4517718" y="384132"/>
+            <a:off x="4517718" y="461406"/>
             <a:ext cx="1035483" cy="307777"/>
           </a:xfrm>
           <a:prstGeom prst="rect">
@@ -4279,7 +4291,455 @@
     </p:spTree>
     <p:extLst>
       <p:ext uri="{BB962C8B-B14F-4D97-AF65-F5344CB8AC3E}">
-        <p14:creationId xmlns:p14="http://schemas.microsoft.com/office/powerpoint/2010/main" xmlns="" val="2448580552"/>
+        <p14:creationId xmlns:p14="http://schemas.microsoft.com/office/powerpoint/2010/main" val="93292674"/>
+      </p:ext>
+    </p:extLst>
+  </p:cSld>
+  <p:clrMapOvr>
+    <a:masterClrMapping/>
+  </p:clrMapOvr>
+</p:sld>
+</file>
+
+<file path=ppt/slides/slide4.xml><?xml version="1.0" encoding="utf-8"?>
+<p:sld xmlns:a="http://schemas.openxmlformats.org/drawingml/2006/main" xmlns:r="http://schemas.openxmlformats.org/officeDocument/2006/relationships" xmlns:p="http://schemas.openxmlformats.org/presentationml/2006/main">
+  <p:cSld>
+    <p:spTree>
+      <p:nvGrpSpPr>
+        <p:cNvPr id="1" name=""/>
+        <p:cNvGrpSpPr/>
+        <p:nvPr/>
+      </p:nvGrpSpPr>
+      <p:grpSpPr>
+        <a:xfrm>
+          <a:off x="0" y="0"/>
+          <a:ext cx="0" cy="0"/>
+          <a:chOff x="0" y="0"/>
+          <a:chExt cx="0" cy="0"/>
+        </a:xfrm>
+      </p:grpSpPr>
+      <p:cxnSp>
+        <p:nvCxnSpPr>
+          <p:cNvPr id="5" name="Straight Connector 4"/>
+          <p:cNvCxnSpPr/>
+          <p:nvPr/>
+        </p:nvCxnSpPr>
+        <p:spPr>
+          <a:xfrm>
+            <a:off x="0" y="769910"/>
+            <a:ext cx="12192000" cy="0"/>
+          </a:xfrm>
+          <a:prstGeom prst="line">
+            <a:avLst/>
+          </a:prstGeom>
+          <a:ln w="6350">
+            <a:solidFill>
+              <a:srgbClr val="FFC000"/>
+            </a:solidFill>
+          </a:ln>
+        </p:spPr>
+        <p:style>
+          <a:lnRef idx="1">
+            <a:schemeClr val="accent1"/>
+          </a:lnRef>
+          <a:fillRef idx="0">
+            <a:schemeClr val="accent1"/>
+          </a:fillRef>
+          <a:effectRef idx="0">
+            <a:schemeClr val="accent1"/>
+          </a:effectRef>
+          <a:fontRef idx="minor">
+            <a:schemeClr val="tx1"/>
+          </a:fontRef>
+        </p:style>
+      </p:cxnSp>
+      <p:sp>
+        <p:nvSpPr>
+          <p:cNvPr id="20" name="TextBox 19"/>
+          <p:cNvSpPr txBox="1"/>
+          <p:nvPr/>
+        </p:nvSpPr>
+        <p:spPr>
+          <a:xfrm>
+            <a:off x="8317281" y="75156"/>
+            <a:ext cx="1657826" cy="215444"/>
+          </a:xfrm>
+          <a:prstGeom prst="rect">
+            <a:avLst/>
+          </a:prstGeom>
+          <a:noFill/>
+        </p:spPr>
+        <p:txBody>
+          <a:bodyPr wrap="none" rtlCol="0">
+            <a:spAutoFit/>
+          </a:bodyPr>
+          <a:lstStyle/>
+          <a:p>
+            <a:r>
+              <a:rPr lang="km-KH" sz="800" dirty="0" smtClean="0">
+                <a:solidFill>
+                  <a:schemeClr val="tx1">
+                    <a:lumMod val="50000"/>
+                    <a:lumOff val="50000"/>
+                  </a:schemeClr>
+                </a:solidFill>
+                <a:latin typeface="Khmer OS Battambang" pitchFamily="2" charset="0"/>
+                <a:cs typeface="Khmer OS Battambang" pitchFamily="2" charset="0"/>
+              </a:rPr>
+              <a:t>ចូលប្រើប្រាស់​  </a:t>
+            </a:r>
+            <a:r>
+              <a:rPr lang="en-US" sz="800" dirty="0" smtClean="0">
+                <a:solidFill>
+                  <a:schemeClr val="tx1">
+                    <a:lumMod val="50000"/>
+                    <a:lumOff val="50000"/>
+                  </a:schemeClr>
+                </a:solidFill>
+                <a:latin typeface="Khmer OS Battambang" pitchFamily="2" charset="0"/>
+                <a:cs typeface="Khmer OS Battambang" pitchFamily="2" charset="0"/>
+              </a:rPr>
+              <a:t>|  </a:t>
+            </a:r>
+            <a:r>
+              <a:rPr lang="km-KH" sz="800" dirty="0" smtClean="0">
+                <a:solidFill>
+                  <a:schemeClr val="tx1">
+                    <a:lumMod val="50000"/>
+                    <a:lumOff val="50000"/>
+                  </a:schemeClr>
+                </a:solidFill>
+                <a:latin typeface="Khmer OS Battambang" pitchFamily="2" charset="0"/>
+                <a:cs typeface="Khmer OS Battambang" pitchFamily="2" charset="0"/>
+              </a:rPr>
+              <a:t>ចុះឈ្មោះប្រើប្រាស់</a:t>
+            </a:r>
+            <a:endParaRPr lang="en-US" sz="800" dirty="0">
+              <a:solidFill>
+                <a:schemeClr val="tx1">
+                  <a:lumMod val="50000"/>
+                  <a:lumOff val="50000"/>
+                </a:schemeClr>
+              </a:solidFill>
+              <a:latin typeface="Khmer OS Battambang" pitchFamily="2" charset="0"/>
+              <a:cs typeface="Khmer OS Battambang" pitchFamily="2" charset="0"/>
+            </a:endParaRPr>
+          </a:p>
+        </p:txBody>
+      </p:sp>
+      <p:sp>
+        <p:nvSpPr>
+          <p:cNvPr id="21" name="TextBox 20"/>
+          <p:cNvSpPr txBox="1"/>
+          <p:nvPr/>
+        </p:nvSpPr>
+        <p:spPr>
+          <a:xfrm>
+            <a:off x="1365337" y="112734"/>
+            <a:ext cx="556563" cy="523220"/>
+          </a:xfrm>
+          <a:prstGeom prst="rect">
+            <a:avLst/>
+          </a:prstGeom>
+          <a:noFill/>
+        </p:spPr>
+        <p:txBody>
+          <a:bodyPr wrap="none" rtlCol="0">
+            <a:spAutoFit/>
+          </a:bodyPr>
+          <a:lstStyle/>
+          <a:p>
+            <a:r>
+              <a:rPr lang="en-US" sz="2800" dirty="0" smtClean="0">
+                <a:solidFill>
+                  <a:srgbClr val="FFC000"/>
+                </a:solidFill>
+                <a:sym typeface="Wingdings"/>
+              </a:rPr>
+              <a:t></a:t>
+            </a:r>
+            <a:endParaRPr lang="en-US" sz="2800" dirty="0">
+              <a:solidFill>
+                <a:srgbClr val="FFC000"/>
+              </a:solidFill>
+            </a:endParaRPr>
+          </a:p>
+        </p:txBody>
+      </p:sp>
+      <p:sp>
+        <p:nvSpPr>
+          <p:cNvPr id="22" name="TextBox 21"/>
+          <p:cNvSpPr txBox="1"/>
+          <p:nvPr/>
+        </p:nvSpPr>
+        <p:spPr>
+          <a:xfrm>
+            <a:off x="2371596" y="469756"/>
+            <a:ext cx="1035483" cy="307777"/>
+          </a:xfrm>
+          <a:prstGeom prst="rect">
+            <a:avLst/>
+          </a:prstGeom>
+          <a:noFill/>
+        </p:spPr>
+        <p:txBody>
+          <a:bodyPr wrap="square" rtlCol="0">
+            <a:spAutoFit/>
+          </a:bodyPr>
+          <a:lstStyle/>
+          <a:p>
+            <a:pPr algn="ctr"/>
+            <a:r>
+              <a:rPr lang="km-KH" sz="1400" dirty="0" smtClean="0">
+                <a:solidFill>
+                  <a:schemeClr val="tx1">
+                    <a:lumMod val="95000"/>
+                    <a:lumOff val="5000"/>
+                  </a:schemeClr>
+                </a:solidFill>
+                <a:latin typeface="Khmer OS Bokor" pitchFamily="2" charset="0"/>
+                <a:cs typeface="Khmer OS Bokor" pitchFamily="2" charset="0"/>
+              </a:rPr>
+              <a:t>កម្មវិធី</a:t>
+            </a:r>
+            <a:endParaRPr lang="en-US" sz="1400" dirty="0">
+              <a:solidFill>
+                <a:schemeClr val="tx1">
+                  <a:lumMod val="95000"/>
+                  <a:lumOff val="5000"/>
+                </a:schemeClr>
+              </a:solidFill>
+              <a:latin typeface="Khmer OS Bokor" pitchFamily="2" charset="0"/>
+              <a:cs typeface="Khmer OS Bokor" pitchFamily="2" charset="0"/>
+            </a:endParaRPr>
+          </a:p>
+        </p:txBody>
+      </p:sp>
+      <p:sp>
+        <p:nvSpPr>
+          <p:cNvPr id="23" name="TextBox 22"/>
+          <p:cNvSpPr txBox="1"/>
+          <p:nvPr/>
+        </p:nvSpPr>
+        <p:spPr>
+          <a:xfrm>
+            <a:off x="3388290" y="459318"/>
+            <a:ext cx="1035483" cy="307777"/>
+          </a:xfrm>
+          <a:prstGeom prst="rect">
+            <a:avLst/>
+          </a:prstGeom>
+          <a:noFill/>
+        </p:spPr>
+        <p:txBody>
+          <a:bodyPr wrap="square" rtlCol="0">
+            <a:spAutoFit/>
+          </a:bodyPr>
+          <a:lstStyle/>
+          <a:p>
+            <a:pPr algn="ctr"/>
+            <a:r>
+              <a:rPr lang="km-KH" sz="1400" dirty="0" smtClean="0">
+                <a:solidFill>
+                  <a:schemeClr val="tx1">
+                    <a:lumMod val="95000"/>
+                    <a:lumOff val="5000"/>
+                  </a:schemeClr>
+                </a:solidFill>
+                <a:latin typeface="Khmer OS Bokor" pitchFamily="2" charset="0"/>
+                <a:cs typeface="Khmer OS Bokor" pitchFamily="2" charset="0"/>
+              </a:rPr>
+              <a:t>ម្ហូបអាហារ</a:t>
+            </a:r>
+            <a:endParaRPr lang="en-US" sz="1400" dirty="0">
+              <a:solidFill>
+                <a:schemeClr val="tx1">
+                  <a:lumMod val="95000"/>
+                  <a:lumOff val="5000"/>
+                </a:schemeClr>
+              </a:solidFill>
+              <a:latin typeface="Khmer OS Bokor" pitchFamily="2" charset="0"/>
+              <a:cs typeface="Khmer OS Bokor" pitchFamily="2" charset="0"/>
+            </a:endParaRPr>
+          </a:p>
+        </p:txBody>
+      </p:sp>
+      <p:sp>
+        <p:nvSpPr>
+          <p:cNvPr id="24" name="TextBox 23"/>
+          <p:cNvSpPr txBox="1"/>
+          <p:nvPr/>
+        </p:nvSpPr>
+        <p:spPr>
+          <a:xfrm>
+            <a:off x="4517718" y="461406"/>
+            <a:ext cx="1035483" cy="307777"/>
+          </a:xfrm>
+          <a:prstGeom prst="rect">
+            <a:avLst/>
+          </a:prstGeom>
+          <a:noFill/>
+        </p:spPr>
+        <p:txBody>
+          <a:bodyPr wrap="square" rtlCol="0">
+            <a:spAutoFit/>
+          </a:bodyPr>
+          <a:lstStyle/>
+          <a:p>
+            <a:pPr algn="ctr"/>
+            <a:r>
+              <a:rPr lang="km-KH" sz="1400" dirty="0" smtClean="0">
+                <a:solidFill>
+                  <a:schemeClr val="tx1">
+                    <a:lumMod val="95000"/>
+                    <a:lumOff val="5000"/>
+                  </a:schemeClr>
+                </a:solidFill>
+                <a:latin typeface="Khmer OS Bokor" pitchFamily="2" charset="0"/>
+                <a:cs typeface="Khmer OS Bokor" pitchFamily="2" charset="0"/>
+              </a:rPr>
+              <a:t>កន្លែងកំសាន្ដ</a:t>
+            </a:r>
+            <a:endParaRPr lang="en-US" sz="1400" dirty="0">
+              <a:solidFill>
+                <a:schemeClr val="tx1">
+                  <a:lumMod val="95000"/>
+                  <a:lumOff val="5000"/>
+                </a:schemeClr>
+              </a:solidFill>
+              <a:latin typeface="Khmer OS Bokor" pitchFamily="2" charset="0"/>
+              <a:cs typeface="Khmer OS Bokor" pitchFamily="2" charset="0"/>
+            </a:endParaRPr>
+          </a:p>
+        </p:txBody>
+      </p:sp>
+      <p:cxnSp>
+        <p:nvCxnSpPr>
+          <p:cNvPr id="25" name="Straight Connector 4"/>
+          <p:cNvCxnSpPr/>
+          <p:nvPr/>
+        </p:nvCxnSpPr>
+        <p:spPr>
+          <a:xfrm>
+            <a:off x="2088" y="7912"/>
+            <a:ext cx="12192000" cy="0"/>
+          </a:xfrm>
+          <a:prstGeom prst="line">
+            <a:avLst/>
+          </a:prstGeom>
+          <a:ln w="38100">
+            <a:solidFill>
+              <a:srgbClr val="FF0000"/>
+            </a:solidFill>
+          </a:ln>
+        </p:spPr>
+        <p:style>
+          <a:lnRef idx="1">
+            <a:schemeClr val="accent1"/>
+          </a:lnRef>
+          <a:fillRef idx="0">
+            <a:schemeClr val="accent1"/>
+          </a:fillRef>
+          <a:effectRef idx="0">
+            <a:schemeClr val="accent1"/>
+          </a:effectRef>
+          <a:fontRef idx="minor">
+            <a:schemeClr val="tx1"/>
+          </a:fontRef>
+        </p:style>
+      </p:cxnSp>
+      <p:sp>
+        <p:nvSpPr>
+          <p:cNvPr id="2" name="Rectangle 1"/>
+          <p:cNvSpPr/>
+          <p:nvPr/>
+        </p:nvSpPr>
+        <p:spPr>
+          <a:xfrm>
+            <a:off x="0" y="790412"/>
+            <a:ext cx="12192000" cy="1424754"/>
+          </a:xfrm>
+          <a:prstGeom prst="rect">
+            <a:avLst/>
+          </a:prstGeom>
+          <a:solidFill>
+            <a:schemeClr val="bg1">
+              <a:lumMod val="85000"/>
+            </a:schemeClr>
+          </a:solidFill>
+          <a:ln>
+            <a:noFill/>
+          </a:ln>
+        </p:spPr>
+        <p:style>
+          <a:lnRef idx="2">
+            <a:schemeClr val="accent1">
+              <a:shade val="50000"/>
+            </a:schemeClr>
+          </a:lnRef>
+          <a:fillRef idx="1">
+            <a:schemeClr val="accent1"/>
+          </a:fillRef>
+          <a:effectRef idx="0">
+            <a:schemeClr val="accent1"/>
+          </a:effectRef>
+          <a:fontRef idx="minor">
+            <a:schemeClr val="lt1"/>
+          </a:fontRef>
+        </p:style>
+        <p:txBody>
+          <a:bodyPr rtlCol="0" anchor="ctr"/>
+          <a:lstStyle/>
+          <a:p>
+            <a:pPr algn="ctr"/>
+            <a:endParaRPr lang="ko-KR" altLang="en-US"/>
+          </a:p>
+        </p:txBody>
+      </p:sp>
+      <p:sp>
+        <p:nvSpPr>
+          <p:cNvPr id="3" name="Oval 2"/>
+          <p:cNvSpPr/>
+          <p:nvPr/>
+        </p:nvSpPr>
+        <p:spPr>
+          <a:xfrm>
+            <a:off x="1238257" y="1095823"/>
+            <a:ext cx="809484" cy="809484"/>
+          </a:xfrm>
+          <a:prstGeom prst="ellipse">
+            <a:avLst/>
+          </a:prstGeom>
+        </p:spPr>
+        <p:style>
+          <a:lnRef idx="2">
+            <a:schemeClr val="accent1">
+              <a:shade val="50000"/>
+            </a:schemeClr>
+          </a:lnRef>
+          <a:fillRef idx="1">
+            <a:schemeClr val="accent1"/>
+          </a:fillRef>
+          <a:effectRef idx="0">
+            <a:schemeClr val="accent1"/>
+          </a:effectRef>
+          <a:fontRef idx="minor">
+            <a:schemeClr val="lt1"/>
+          </a:fontRef>
+        </p:style>
+        <p:txBody>
+          <a:bodyPr rtlCol="0" anchor="ctr"/>
+          <a:lstStyle/>
+          <a:p>
+            <a:pPr algn="ctr"/>
+            <a:endParaRPr lang="ko-KR" altLang="en-US"/>
+          </a:p>
+        </p:txBody>
+      </p:sp>
+    </p:spTree>
+    <p:extLst>
+      <p:ext uri="{BB962C8B-B14F-4D97-AF65-F5344CB8AC3E}">
+        <p14:creationId xmlns:p14="http://schemas.microsoft.com/office/powerpoint/2010/main" val="661877214"/>
       </p:ext>
     </p:extLst>
   </p:cSld>
@@ -4544,7 +5004,7 @@
   <a:extraClrSchemeLst/>
   <a:extLst>
     <a:ext uri="{05A4C25C-085E-4340-85A3-A5531E510DB2}">
-      <thm15:themeFamily xmlns:thm15="http://schemas.microsoft.com/office/thememl/2012/main" xmlns="" name="Office Theme" id="{62F939B6-93AF-4DB8-9C6B-D6C7DFDC589F}" vid="{4A3C46E8-61CC-4603-A589-7422A47A8E4A}"/>
+      <thm15:themeFamily xmlns:thm15="http://schemas.microsoft.com/office/thememl/2012/main" name="Office Theme" id="{62F939B6-93AF-4DB8-9C6B-D6C7DFDC589F}" vid="{4A3C46E8-61CC-4603-A589-7422A47A8E4A}"/>
     </a:ext>
   </a:extLst>
 </a:theme>
